--- a/Linux性能优化实战/01-cpu性能优化.pptx
+++ b/Linux性能优化实战/01-cpu性能优化.pptx
@@ -25,6 +25,8 @@
     <p:sldId id="273" r:id="rId19"/>
     <p:sldId id="274" r:id="rId20"/>
     <p:sldId id="275" r:id="rId21"/>
+    <p:sldId id="276" r:id="rId22"/>
+    <p:sldId id="277" r:id="rId23"/>
   </p:sldIdLst>
   <p:sldSz cx="12192000" cy="6858000"/>
   <p:notesSz cx="6858000" cy="9144000"/>
@@ -6017,7 +6019,7 @@
           <a:p>
             <a:fld id="{E396512D-F96B-4538-B91A-F7EB57A489A0}" type="datetimeFigureOut">
               <a:rPr lang="zh-CN" altLang="en-US" smtClean="0"/>
-              <a:t>2019/12/16</a:t>
+              <a:t>2019/12/24</a:t>
             </a:fld>
             <a:endParaRPr lang="zh-CN" altLang="en-US"/>
           </a:p>
@@ -6292,7 +6294,7 @@
           <a:p>
             <a:fld id="{E396512D-F96B-4538-B91A-F7EB57A489A0}" type="datetimeFigureOut">
               <a:rPr lang="zh-CN" altLang="en-US" smtClean="0"/>
-              <a:t>2019/12/16</a:t>
+              <a:t>2019/12/24</a:t>
             </a:fld>
             <a:endParaRPr lang="zh-CN" altLang="en-US"/>
           </a:p>
@@ -6486,7 +6488,7 @@
           <a:p>
             <a:fld id="{E396512D-F96B-4538-B91A-F7EB57A489A0}" type="datetimeFigureOut">
               <a:rPr lang="zh-CN" altLang="en-US" smtClean="0"/>
-              <a:t>2019/12/16</a:t>
+              <a:t>2019/12/24</a:t>
             </a:fld>
             <a:endParaRPr lang="zh-CN" altLang="en-US"/>
           </a:p>
@@ -6757,7 +6759,7 @@
           <a:p>
             <a:fld id="{E396512D-F96B-4538-B91A-F7EB57A489A0}" type="datetimeFigureOut">
               <a:rPr lang="zh-CN" altLang="en-US" smtClean="0"/>
-              <a:t>2019/12/16</a:t>
+              <a:t>2019/12/24</a:t>
             </a:fld>
             <a:endParaRPr lang="zh-CN" altLang="en-US"/>
           </a:p>
@@ -7084,7 +7086,7 @@
           <a:p>
             <a:fld id="{E396512D-F96B-4538-B91A-F7EB57A489A0}" type="datetimeFigureOut">
               <a:rPr lang="zh-CN" altLang="en-US" smtClean="0"/>
-              <a:t>2019/12/16</a:t>
+              <a:t>2019/12/24</a:t>
             </a:fld>
             <a:endParaRPr lang="zh-CN" altLang="en-US"/>
           </a:p>
@@ -7703,7 +7705,7 @@
           <a:p>
             <a:fld id="{E396512D-F96B-4538-B91A-F7EB57A489A0}" type="datetimeFigureOut">
               <a:rPr lang="zh-CN" altLang="en-US" smtClean="0"/>
-              <a:t>2019/12/16</a:t>
+              <a:t>2019/12/24</a:t>
             </a:fld>
             <a:endParaRPr lang="zh-CN" altLang="en-US"/>
           </a:p>
@@ -8550,7 +8552,7 @@
           <a:p>
             <a:fld id="{E396512D-F96B-4538-B91A-F7EB57A489A0}" type="datetimeFigureOut">
               <a:rPr lang="zh-CN" altLang="en-US" smtClean="0"/>
-              <a:t>2019/12/16</a:t>
+              <a:t>2019/12/24</a:t>
             </a:fld>
             <a:endParaRPr lang="zh-CN" altLang="en-US"/>
           </a:p>
@@ -8720,7 +8722,7 @@
           <a:p>
             <a:fld id="{E396512D-F96B-4538-B91A-F7EB57A489A0}" type="datetimeFigureOut">
               <a:rPr lang="zh-CN" altLang="en-US" smtClean="0"/>
-              <a:t>2019/12/16</a:t>
+              <a:t>2019/12/24</a:t>
             </a:fld>
             <a:endParaRPr lang="zh-CN" altLang="en-US"/>
           </a:p>
@@ -8900,7 +8902,7 @@
           <a:p>
             <a:fld id="{E396512D-F96B-4538-B91A-F7EB57A489A0}" type="datetimeFigureOut">
               <a:rPr lang="zh-CN" altLang="en-US" smtClean="0"/>
-              <a:t>2019/12/16</a:t>
+              <a:t>2019/12/24</a:t>
             </a:fld>
             <a:endParaRPr lang="zh-CN" altLang="en-US"/>
           </a:p>
@@ -9070,7 +9072,7 @@
           <a:p>
             <a:fld id="{E396512D-F96B-4538-B91A-F7EB57A489A0}" type="datetimeFigureOut">
               <a:rPr lang="zh-CN" altLang="en-US" smtClean="0"/>
-              <a:t>2019/12/16</a:t>
+              <a:t>2019/12/24</a:t>
             </a:fld>
             <a:endParaRPr lang="zh-CN" altLang="en-US"/>
           </a:p>
@@ -9317,7 +9319,7 @@
           <a:p>
             <a:fld id="{E396512D-F96B-4538-B91A-F7EB57A489A0}" type="datetimeFigureOut">
               <a:rPr lang="zh-CN" altLang="en-US" smtClean="0"/>
-              <a:t>2019/12/16</a:t>
+              <a:t>2019/12/24</a:t>
             </a:fld>
             <a:endParaRPr lang="zh-CN" altLang="en-US"/>
           </a:p>
@@ -9609,7 +9611,7 @@
           <a:p>
             <a:fld id="{E396512D-F96B-4538-B91A-F7EB57A489A0}" type="datetimeFigureOut">
               <a:rPr lang="zh-CN" altLang="en-US" smtClean="0"/>
-              <a:t>2019/12/16</a:t>
+              <a:t>2019/12/24</a:t>
             </a:fld>
             <a:endParaRPr lang="zh-CN" altLang="en-US"/>
           </a:p>
@@ -10053,7 +10055,7 @@
           <a:p>
             <a:fld id="{E396512D-F96B-4538-B91A-F7EB57A489A0}" type="datetimeFigureOut">
               <a:rPr lang="zh-CN" altLang="en-US" smtClean="0"/>
-              <a:t>2019/12/16</a:t>
+              <a:t>2019/12/24</a:t>
             </a:fld>
             <a:endParaRPr lang="zh-CN" altLang="en-US"/>
           </a:p>
@@ -10171,7 +10173,7 @@
           <a:p>
             <a:fld id="{E396512D-F96B-4538-B91A-F7EB57A489A0}" type="datetimeFigureOut">
               <a:rPr lang="zh-CN" altLang="en-US" smtClean="0"/>
-              <a:t>2019/12/16</a:t>
+              <a:t>2019/12/24</a:t>
             </a:fld>
             <a:endParaRPr lang="zh-CN" altLang="en-US"/>
           </a:p>
@@ -10266,7 +10268,7 @@
           <a:p>
             <a:fld id="{E396512D-F96B-4538-B91A-F7EB57A489A0}" type="datetimeFigureOut">
               <a:rPr lang="zh-CN" altLang="en-US" smtClean="0"/>
-              <a:t>2019/12/16</a:t>
+              <a:t>2019/12/24</a:t>
             </a:fld>
             <a:endParaRPr lang="zh-CN" altLang="en-US"/>
           </a:p>
@@ -10545,7 +10547,7 @@
           <a:p>
             <a:fld id="{E396512D-F96B-4538-B91A-F7EB57A489A0}" type="datetimeFigureOut">
               <a:rPr lang="zh-CN" altLang="en-US" smtClean="0"/>
-              <a:t>2019/12/16</a:t>
+              <a:t>2019/12/24</a:t>
             </a:fld>
             <a:endParaRPr lang="zh-CN" altLang="en-US"/>
           </a:p>
@@ -10820,7 +10822,7 @@
           <a:p>
             <a:fld id="{E396512D-F96B-4538-B91A-F7EB57A489A0}" type="datetimeFigureOut">
               <a:rPr lang="zh-CN" altLang="en-US" smtClean="0"/>
-              <a:t>2019/12/16</a:t>
+              <a:t>2019/12/24</a:t>
             </a:fld>
             <a:endParaRPr lang="zh-CN" altLang="en-US"/>
           </a:p>
@@ -11243,7 +11245,7 @@
           <a:p>
             <a:fld id="{E396512D-F96B-4538-B91A-F7EB57A489A0}" type="datetimeFigureOut">
               <a:rPr lang="zh-CN" altLang="en-US" smtClean="0"/>
-              <a:t>2019/12/16</a:t>
+              <a:t>2019/12/24</a:t>
             </a:fld>
             <a:endParaRPr lang="zh-CN" altLang="en-US"/>
           </a:p>
@@ -25662,10 +25664,6 @@
               </a:rPr>
               <a:t>它为“空闲任务”。</a:t>
             </a:r>
-            <a:endParaRPr lang="zh-CN" altLang="en-US" sz="1000" dirty="0">
-              <a:latin typeface="微软雅黑" panose="020B0503020204020204" pitchFamily="34" charset="-122"/>
-              <a:ea typeface="微软雅黑" panose="020B0503020204020204" pitchFamily="34" charset="-122"/>
-            </a:endParaRPr>
           </a:p>
         </p:txBody>
       </p:sp>
@@ -30853,10 +30851,6 @@
               </a:rPr>
               <a:t>，但都用在了软中断上</a:t>
             </a:r>
-            <a:endParaRPr lang="zh-CN" altLang="en-US" sz="1000" dirty="0">
-              <a:latin typeface="微软雅黑" panose="020B0503020204020204" pitchFamily="34" charset="-122"/>
-              <a:ea typeface="微软雅黑" panose="020B0503020204020204" pitchFamily="34" charset="-122"/>
-            </a:endParaRPr>
           </a:p>
         </p:txBody>
       </p:sp>
@@ -30983,10 +30977,6 @@
               </a:rPr>
               <a:t>变化最快</a:t>
             </a:r>
-            <a:endParaRPr lang="zh-CN" altLang="en-US" sz="1000" dirty="0">
-              <a:latin typeface="微软雅黑" panose="020B0503020204020204" pitchFamily="34" charset="-122"/>
-              <a:ea typeface="微软雅黑" panose="020B0503020204020204" pitchFamily="34" charset="-122"/>
-            </a:endParaRPr>
           </a:p>
         </p:txBody>
       </p:sp>
@@ -31876,6 +31866,2120 @@
     <p:extLst>
       <p:ext uri="{BB962C8B-B14F-4D97-AF65-F5344CB8AC3E}">
         <p14:creationId xmlns:p14="http://schemas.microsoft.com/office/powerpoint/2010/main" val="4288443623"/>
+      </p:ext>
+    </p:extLst>
+  </p:cSld>
+  <p:clrMapOvr>
+    <a:masterClrMapping/>
+  </p:clrMapOvr>
+  <p:timing>
+    <p:tnLst>
+      <p:par>
+        <p:cTn id="1" dur="indefinite" restart="never" nodeType="tmRoot"/>
+      </p:par>
+    </p:tnLst>
+  </p:timing>
+</p:sld>
+</file>
+
+<file path=ppt/slides/slide21.xml><?xml version="1.0" encoding="utf-8"?>
+<p:sld xmlns:a="http://schemas.openxmlformats.org/drawingml/2006/main" xmlns:r="http://schemas.openxmlformats.org/officeDocument/2006/relationships" xmlns:p="http://schemas.openxmlformats.org/presentationml/2006/main">
+  <p:cSld>
+    <p:spTree>
+      <p:nvGrpSpPr>
+        <p:cNvPr id="1" name=""/>
+        <p:cNvGrpSpPr/>
+        <p:nvPr/>
+      </p:nvGrpSpPr>
+      <p:grpSpPr>
+        <a:xfrm>
+          <a:off x="0" y="0"/>
+          <a:ext cx="0" cy="0"/>
+          <a:chOff x="0" y="0"/>
+          <a:chExt cx="0" cy="0"/>
+        </a:xfrm>
+      </p:grpSpPr>
+      <p:sp>
+        <p:nvSpPr>
+          <p:cNvPr id="2" name="标题 1"/>
+          <p:cNvSpPr>
+            <a:spLocks noGrp="1"/>
+          </p:cNvSpPr>
+          <p:nvPr>
+            <p:ph type="title"/>
+          </p:nvPr>
+        </p:nvSpPr>
+        <p:spPr>
+          <a:xfrm>
+            <a:off x="114300" y="152400"/>
+            <a:ext cx="11976100" cy="602359"/>
+          </a:xfrm>
+        </p:spPr>
+        <p:txBody>
+          <a:bodyPr/>
+          <a:lstStyle/>
+          <a:p>
+            <a:r>
+              <a:rPr lang="zh-CN" altLang="en-US" sz="3200" b="1" dirty="0">
+                <a:latin typeface="微软雅黑" panose="020B0503020204020204" pitchFamily="34" charset="-122"/>
+                <a:ea typeface="微软雅黑" panose="020B0503020204020204" pitchFamily="34" charset="-122"/>
+              </a:rPr>
+              <a:t>案例篇：内核线程</a:t>
+            </a:r>
+            <a:r>
+              <a:rPr lang="en-US" altLang="zh-CN" sz="3200" b="1" dirty="0">
+                <a:latin typeface="微软雅黑" panose="020B0503020204020204" pitchFamily="34" charset="-122"/>
+                <a:ea typeface="微软雅黑" panose="020B0503020204020204" pitchFamily="34" charset="-122"/>
+              </a:rPr>
+              <a:t>CPU</a:t>
+            </a:r>
+            <a:r>
+              <a:rPr lang="zh-CN" altLang="en-US" sz="3200" b="1" dirty="0">
+                <a:latin typeface="微软雅黑" panose="020B0503020204020204" pitchFamily="34" charset="-122"/>
+                <a:ea typeface="微软雅黑" panose="020B0503020204020204" pitchFamily="34" charset="-122"/>
+              </a:rPr>
+              <a:t>利用率太高，我该怎么办？</a:t>
+            </a:r>
+            <a:endParaRPr lang="zh-CN" altLang="en-US" sz="3200" dirty="0">
+              <a:latin typeface="微软雅黑" panose="020B0503020204020204" pitchFamily="34" charset="-122"/>
+              <a:ea typeface="微软雅黑" panose="020B0503020204020204" pitchFamily="34" charset="-122"/>
+            </a:endParaRPr>
+          </a:p>
+        </p:txBody>
+      </p:sp>
+      <p:sp>
+        <p:nvSpPr>
+          <p:cNvPr id="7" name="文本框 6"/>
+          <p:cNvSpPr txBox="1"/>
+          <p:nvPr/>
+        </p:nvSpPr>
+        <p:spPr>
+          <a:xfrm>
+            <a:off x="114300" y="842111"/>
+            <a:ext cx="1107996" cy="369332"/>
+          </a:xfrm>
+          <a:prstGeom prst="rect">
+            <a:avLst/>
+          </a:prstGeom>
+          <a:noFill/>
+        </p:spPr>
+        <p:txBody>
+          <a:bodyPr wrap="none">
+            <a:spAutoFit/>
+            <a:scene3d>
+              <a:camera prst="orthographicFront"/>
+              <a:lightRig rig="harsh" dir="t"/>
+            </a:scene3d>
+            <a:sp3d extrusionH="57150" prstMaterial="matte">
+              <a:bevelT w="63500" h="12700" prst="angle"/>
+              <a:contourClr>
+                <a:schemeClr val="bg1">
+                  <a:lumMod val="65000"/>
+                </a:schemeClr>
+              </a:contourClr>
+            </a:sp3d>
+          </a:bodyPr>
+          <a:lstStyle/>
+          <a:p>
+            <a:pPr>
+              <a:defRPr/>
+            </a:pPr>
+            <a:r>
+              <a:rPr lang="zh-CN" altLang="en-US" b="1" dirty="0" smtClean="0">
+                <a:ln/>
+                <a:solidFill>
+                  <a:srgbClr val="4FD1FF"/>
+                </a:solidFill>
+                <a:latin typeface="微软雅黑" panose="020B0503020204020204" pitchFamily="34" charset="-122"/>
+                <a:ea typeface="微软雅黑" panose="020B0503020204020204" pitchFamily="34" charset="-122"/>
+              </a:rPr>
+              <a:t>内核线程</a:t>
+            </a:r>
+            <a:endParaRPr lang="en-US" altLang="zh-CN" b="1" dirty="0">
+              <a:ln/>
+              <a:solidFill>
+                <a:srgbClr val="4FD1FF"/>
+              </a:solidFill>
+              <a:latin typeface="微软雅黑" panose="020B0503020204020204" pitchFamily="34" charset="-122"/>
+              <a:ea typeface="微软雅黑" panose="020B0503020204020204" pitchFamily="34" charset="-122"/>
+            </a:endParaRPr>
+          </a:p>
+        </p:txBody>
+      </p:sp>
+      <p:sp>
+        <p:nvSpPr>
+          <p:cNvPr id="36" name="矩形 35"/>
+          <p:cNvSpPr/>
+          <p:nvPr/>
+        </p:nvSpPr>
+        <p:spPr>
+          <a:xfrm>
+            <a:off x="50436" y="1311862"/>
+            <a:ext cx="12039963" cy="1015663"/>
+          </a:xfrm>
+          <a:prstGeom prst="rect">
+            <a:avLst/>
+          </a:prstGeom>
+        </p:spPr>
+        <p:txBody>
+          <a:bodyPr wrap="square">
+            <a:spAutoFit/>
+          </a:bodyPr>
+          <a:lstStyle/>
+          <a:p>
+            <a:r>
+              <a:rPr lang="en-US" altLang="zh-CN" sz="1200" dirty="0" err="1" smtClean="0">
+                <a:solidFill>
+                  <a:srgbClr val="92D050"/>
+                </a:solidFill>
+                <a:latin typeface="微软雅黑" panose="020B0503020204020204" pitchFamily="34" charset="-122"/>
+                <a:ea typeface="微软雅黑" panose="020B0503020204020204" pitchFamily="34" charset="-122"/>
+              </a:rPr>
+              <a:t>linux</a:t>
+            </a:r>
+            <a:r>
+              <a:rPr lang="zh-CN" altLang="en-US" sz="1200" dirty="0" smtClean="0">
+                <a:solidFill>
+                  <a:srgbClr val="92D050"/>
+                </a:solidFill>
+                <a:latin typeface="微软雅黑" panose="020B0503020204020204" pitchFamily="34" charset="-122"/>
+                <a:ea typeface="微软雅黑" panose="020B0503020204020204" pitchFamily="34" charset="-122"/>
+              </a:rPr>
+              <a:t>里三个特殊的进程：</a:t>
+            </a:r>
+            <a:endParaRPr lang="en-US" altLang="zh-CN" sz="1200" dirty="0" smtClean="0">
+              <a:solidFill>
+                <a:srgbClr val="92D050"/>
+              </a:solidFill>
+              <a:latin typeface="微软雅黑" panose="020B0503020204020204" pitchFamily="34" charset="-122"/>
+              <a:ea typeface="微软雅黑" panose="020B0503020204020204" pitchFamily="34" charset="-122"/>
+            </a:endParaRPr>
+          </a:p>
+          <a:p>
+            <a:endParaRPr lang="en-US" altLang="zh-CN" sz="1200" dirty="0">
+              <a:solidFill>
+                <a:srgbClr val="92D050"/>
+              </a:solidFill>
+              <a:latin typeface="微软雅黑" panose="020B0503020204020204" pitchFamily="34" charset="-122"/>
+              <a:ea typeface="微软雅黑" panose="020B0503020204020204" pitchFamily="34" charset="-122"/>
+            </a:endParaRPr>
+          </a:p>
+          <a:p>
+            <a:pPr marL="171450" indent="-171450">
+              <a:buFont typeface="Arial" panose="020B0604020202020204" pitchFamily="34" charset="0"/>
+              <a:buChar char="•"/>
+            </a:pPr>
+            <a:r>
+              <a:rPr lang="en-US" altLang="zh-CN" sz="1200" dirty="0" smtClean="0">
+                <a:solidFill>
+                  <a:srgbClr val="92D050"/>
+                </a:solidFill>
+                <a:latin typeface="微软雅黑" panose="020B0503020204020204" pitchFamily="34" charset="-122"/>
+                <a:ea typeface="微软雅黑" panose="020B0503020204020204" pitchFamily="34" charset="-122"/>
+              </a:rPr>
+              <a:t>0 </a:t>
+            </a:r>
+            <a:r>
+              <a:rPr lang="zh-CN" altLang="en-US" sz="1200" dirty="0">
+                <a:solidFill>
+                  <a:srgbClr val="92D050"/>
+                </a:solidFill>
+                <a:latin typeface="微软雅黑" panose="020B0503020204020204" pitchFamily="34" charset="-122"/>
+                <a:ea typeface="微软雅黑" panose="020B0503020204020204" pitchFamily="34" charset="-122"/>
+              </a:rPr>
+              <a:t>号进程为 </a:t>
+            </a:r>
+            <a:r>
+              <a:rPr lang="en-US" altLang="zh-CN" sz="1200" dirty="0">
+                <a:solidFill>
+                  <a:srgbClr val="92D050"/>
+                </a:solidFill>
+                <a:latin typeface="微软雅黑" panose="020B0503020204020204" pitchFamily="34" charset="-122"/>
+                <a:ea typeface="微软雅黑" panose="020B0503020204020204" pitchFamily="34" charset="-122"/>
+              </a:rPr>
+              <a:t>idle </a:t>
+            </a:r>
+            <a:r>
+              <a:rPr lang="zh-CN" altLang="en-US" sz="1200" dirty="0">
+                <a:solidFill>
+                  <a:srgbClr val="92D050"/>
+                </a:solidFill>
+                <a:latin typeface="微软雅黑" panose="020B0503020204020204" pitchFamily="34" charset="-122"/>
+                <a:ea typeface="微软雅黑" panose="020B0503020204020204" pitchFamily="34" charset="-122"/>
+              </a:rPr>
+              <a:t>进程，这也是系统创建的第一个进程，它在初始化 </a:t>
+            </a:r>
+            <a:r>
+              <a:rPr lang="en-US" altLang="zh-CN" sz="1200" dirty="0">
+                <a:solidFill>
+                  <a:srgbClr val="92D050"/>
+                </a:solidFill>
+                <a:latin typeface="微软雅黑" panose="020B0503020204020204" pitchFamily="34" charset="-122"/>
+                <a:ea typeface="微软雅黑" panose="020B0503020204020204" pitchFamily="34" charset="-122"/>
+              </a:rPr>
+              <a:t>1 </a:t>
+            </a:r>
+            <a:r>
+              <a:rPr lang="zh-CN" altLang="en-US" sz="1200" dirty="0">
+                <a:solidFill>
+                  <a:srgbClr val="92D050"/>
+                </a:solidFill>
+                <a:latin typeface="微软雅黑" panose="020B0503020204020204" pitchFamily="34" charset="-122"/>
+                <a:ea typeface="微软雅黑" panose="020B0503020204020204" pitchFamily="34" charset="-122"/>
+              </a:rPr>
+              <a:t>号和 </a:t>
+            </a:r>
+            <a:r>
+              <a:rPr lang="en-US" altLang="zh-CN" sz="1200" dirty="0">
+                <a:solidFill>
+                  <a:srgbClr val="92D050"/>
+                </a:solidFill>
+                <a:latin typeface="微软雅黑" panose="020B0503020204020204" pitchFamily="34" charset="-122"/>
+                <a:ea typeface="微软雅黑" panose="020B0503020204020204" pitchFamily="34" charset="-122"/>
+              </a:rPr>
+              <a:t>2 </a:t>
+            </a:r>
+            <a:r>
+              <a:rPr lang="zh-CN" altLang="en-US" sz="1200" dirty="0">
+                <a:solidFill>
+                  <a:srgbClr val="92D050"/>
+                </a:solidFill>
+                <a:latin typeface="微软雅黑" panose="020B0503020204020204" pitchFamily="34" charset="-122"/>
+                <a:ea typeface="微软雅黑" panose="020B0503020204020204" pitchFamily="34" charset="-122"/>
+              </a:rPr>
+              <a:t>号进程后，演变为空闲任务。当 </a:t>
+            </a:r>
+            <a:r>
+              <a:rPr lang="en-US" altLang="zh-CN" sz="1200" dirty="0">
+                <a:solidFill>
+                  <a:srgbClr val="92D050"/>
+                </a:solidFill>
+                <a:latin typeface="微软雅黑" panose="020B0503020204020204" pitchFamily="34" charset="-122"/>
+                <a:ea typeface="微软雅黑" panose="020B0503020204020204" pitchFamily="34" charset="-122"/>
+              </a:rPr>
+              <a:t>CPU </a:t>
+            </a:r>
+            <a:r>
+              <a:rPr lang="zh-CN" altLang="en-US" sz="1200" dirty="0">
+                <a:solidFill>
+                  <a:srgbClr val="92D050"/>
+                </a:solidFill>
+                <a:latin typeface="微软雅黑" panose="020B0503020204020204" pitchFamily="34" charset="-122"/>
+                <a:ea typeface="微软雅黑" panose="020B0503020204020204" pitchFamily="34" charset="-122"/>
+              </a:rPr>
+              <a:t>上没有其他任务执行时，就会运行它。</a:t>
+            </a:r>
+          </a:p>
+          <a:p>
+            <a:pPr marL="171450" indent="-171450">
+              <a:buFont typeface="Arial" panose="020B0604020202020204" pitchFamily="34" charset="0"/>
+              <a:buChar char="•"/>
+            </a:pPr>
+            <a:r>
+              <a:rPr lang="en-US" altLang="zh-CN" sz="1200" dirty="0">
+                <a:solidFill>
+                  <a:srgbClr val="92D050"/>
+                </a:solidFill>
+                <a:latin typeface="微软雅黑" panose="020B0503020204020204" pitchFamily="34" charset="-122"/>
+                <a:ea typeface="微软雅黑" panose="020B0503020204020204" pitchFamily="34" charset="-122"/>
+              </a:rPr>
+              <a:t>1 </a:t>
+            </a:r>
+            <a:r>
+              <a:rPr lang="zh-CN" altLang="en-US" sz="1200" dirty="0">
+                <a:solidFill>
+                  <a:srgbClr val="92D050"/>
+                </a:solidFill>
+                <a:latin typeface="微软雅黑" panose="020B0503020204020204" pitchFamily="34" charset="-122"/>
+                <a:ea typeface="微软雅黑" panose="020B0503020204020204" pitchFamily="34" charset="-122"/>
+              </a:rPr>
+              <a:t>号进程为 </a:t>
+            </a:r>
+            <a:r>
+              <a:rPr lang="en-US" altLang="zh-CN" sz="1200" dirty="0" err="1">
+                <a:solidFill>
+                  <a:srgbClr val="92D050"/>
+                </a:solidFill>
+                <a:latin typeface="微软雅黑" panose="020B0503020204020204" pitchFamily="34" charset="-122"/>
+                <a:ea typeface="微软雅黑" panose="020B0503020204020204" pitchFamily="34" charset="-122"/>
+              </a:rPr>
+              <a:t>init</a:t>
+            </a:r>
+            <a:r>
+              <a:rPr lang="en-US" altLang="zh-CN" sz="1200" dirty="0">
+                <a:solidFill>
+                  <a:srgbClr val="92D050"/>
+                </a:solidFill>
+                <a:latin typeface="微软雅黑" panose="020B0503020204020204" pitchFamily="34" charset="-122"/>
+                <a:ea typeface="微软雅黑" panose="020B0503020204020204" pitchFamily="34" charset="-122"/>
+              </a:rPr>
+              <a:t> </a:t>
+            </a:r>
+            <a:r>
+              <a:rPr lang="zh-CN" altLang="en-US" sz="1200" dirty="0">
+                <a:solidFill>
+                  <a:srgbClr val="92D050"/>
+                </a:solidFill>
+                <a:latin typeface="微软雅黑" panose="020B0503020204020204" pitchFamily="34" charset="-122"/>
+                <a:ea typeface="微软雅黑" panose="020B0503020204020204" pitchFamily="34" charset="-122"/>
+              </a:rPr>
+              <a:t>进程，通常是 </a:t>
+            </a:r>
+            <a:r>
+              <a:rPr lang="en-US" altLang="zh-CN" sz="1200" dirty="0" err="1">
+                <a:solidFill>
+                  <a:srgbClr val="92D050"/>
+                </a:solidFill>
+                <a:latin typeface="微软雅黑" panose="020B0503020204020204" pitchFamily="34" charset="-122"/>
+                <a:ea typeface="微软雅黑" panose="020B0503020204020204" pitchFamily="34" charset="-122"/>
+              </a:rPr>
+              <a:t>systemd</a:t>
+            </a:r>
+            <a:r>
+              <a:rPr lang="en-US" altLang="zh-CN" sz="1200" dirty="0">
+                <a:solidFill>
+                  <a:srgbClr val="92D050"/>
+                </a:solidFill>
+                <a:latin typeface="微软雅黑" panose="020B0503020204020204" pitchFamily="34" charset="-122"/>
+                <a:ea typeface="微软雅黑" panose="020B0503020204020204" pitchFamily="34" charset="-122"/>
+              </a:rPr>
+              <a:t> </a:t>
+            </a:r>
+            <a:r>
+              <a:rPr lang="zh-CN" altLang="en-US" sz="1200" dirty="0">
+                <a:solidFill>
+                  <a:srgbClr val="92D050"/>
+                </a:solidFill>
+                <a:latin typeface="微软雅黑" panose="020B0503020204020204" pitchFamily="34" charset="-122"/>
+                <a:ea typeface="微软雅黑" panose="020B0503020204020204" pitchFamily="34" charset="-122"/>
+              </a:rPr>
+              <a:t>进程，在用户态运行，用来管理其他用户态进程。</a:t>
+            </a:r>
+          </a:p>
+          <a:p>
+            <a:pPr marL="171450" indent="-171450">
+              <a:buFont typeface="Arial" panose="020B0604020202020204" pitchFamily="34" charset="0"/>
+              <a:buChar char="•"/>
+            </a:pPr>
+            <a:r>
+              <a:rPr lang="en-US" altLang="zh-CN" sz="1200" dirty="0">
+                <a:solidFill>
+                  <a:srgbClr val="92D050"/>
+                </a:solidFill>
+                <a:latin typeface="微软雅黑" panose="020B0503020204020204" pitchFamily="34" charset="-122"/>
+                <a:ea typeface="微软雅黑" panose="020B0503020204020204" pitchFamily="34" charset="-122"/>
+              </a:rPr>
+              <a:t>2 </a:t>
+            </a:r>
+            <a:r>
+              <a:rPr lang="zh-CN" altLang="en-US" sz="1200" dirty="0">
+                <a:solidFill>
+                  <a:srgbClr val="92D050"/>
+                </a:solidFill>
+                <a:latin typeface="微软雅黑" panose="020B0503020204020204" pitchFamily="34" charset="-122"/>
+                <a:ea typeface="微软雅黑" panose="020B0503020204020204" pitchFamily="34" charset="-122"/>
+              </a:rPr>
+              <a:t>号进程为 </a:t>
+            </a:r>
+            <a:r>
+              <a:rPr lang="en-US" altLang="zh-CN" sz="1200" dirty="0" err="1">
+                <a:solidFill>
+                  <a:srgbClr val="92D050"/>
+                </a:solidFill>
+                <a:latin typeface="微软雅黑" panose="020B0503020204020204" pitchFamily="34" charset="-122"/>
+                <a:ea typeface="微软雅黑" panose="020B0503020204020204" pitchFamily="34" charset="-122"/>
+              </a:rPr>
+              <a:t>kthreadd</a:t>
+            </a:r>
+            <a:r>
+              <a:rPr lang="en-US" altLang="zh-CN" sz="1200" dirty="0">
+                <a:solidFill>
+                  <a:srgbClr val="92D050"/>
+                </a:solidFill>
+                <a:latin typeface="微软雅黑" panose="020B0503020204020204" pitchFamily="34" charset="-122"/>
+                <a:ea typeface="微软雅黑" panose="020B0503020204020204" pitchFamily="34" charset="-122"/>
+              </a:rPr>
+              <a:t> </a:t>
+            </a:r>
+            <a:r>
+              <a:rPr lang="zh-CN" altLang="en-US" sz="1200" dirty="0">
+                <a:solidFill>
+                  <a:srgbClr val="92D050"/>
+                </a:solidFill>
+                <a:latin typeface="微软雅黑" panose="020B0503020204020204" pitchFamily="34" charset="-122"/>
+                <a:ea typeface="微软雅黑" panose="020B0503020204020204" pitchFamily="34" charset="-122"/>
+              </a:rPr>
+              <a:t>进程，在内核态运行，用来管理内核线程。</a:t>
+            </a:r>
+            <a:endParaRPr lang="en-US" altLang="zh-CN" sz="1200" dirty="0">
+              <a:solidFill>
+                <a:srgbClr val="92D050"/>
+              </a:solidFill>
+              <a:latin typeface="微软雅黑" panose="020B0503020204020204" pitchFamily="34" charset="-122"/>
+              <a:ea typeface="微软雅黑" panose="020B0503020204020204" pitchFamily="34" charset="-122"/>
+            </a:endParaRPr>
+          </a:p>
+        </p:txBody>
+      </p:sp>
+      <p:sp>
+        <p:nvSpPr>
+          <p:cNvPr id="17" name="矩形 16"/>
+          <p:cNvSpPr/>
+          <p:nvPr/>
+        </p:nvSpPr>
+        <p:spPr>
+          <a:xfrm>
+            <a:off x="50436" y="2543627"/>
+            <a:ext cx="11901087" cy="1938992"/>
+          </a:xfrm>
+          <a:prstGeom prst="rect">
+            <a:avLst/>
+          </a:prstGeom>
+        </p:spPr>
+        <p:txBody>
+          <a:bodyPr wrap="square">
+            <a:spAutoFit/>
+          </a:bodyPr>
+          <a:lstStyle/>
+          <a:p>
+            <a:r>
+              <a:rPr lang="zh-CN" altLang="en-US" sz="1200" dirty="0" smtClean="0">
+                <a:solidFill>
+                  <a:srgbClr val="92D050"/>
+                </a:solidFill>
+                <a:latin typeface="微软雅黑" panose="020B0503020204020204" pitchFamily="34" charset="-122"/>
+                <a:ea typeface="微软雅黑" panose="020B0503020204020204" pitchFamily="34" charset="-122"/>
+              </a:rPr>
+              <a:t>常见的内核线程：</a:t>
+            </a:r>
+            <a:endParaRPr lang="en-US" altLang="zh-CN" sz="1200" dirty="0" smtClean="0">
+              <a:solidFill>
+                <a:srgbClr val="92D050"/>
+              </a:solidFill>
+              <a:latin typeface="微软雅黑" panose="020B0503020204020204" pitchFamily="34" charset="-122"/>
+              <a:ea typeface="微软雅黑" panose="020B0503020204020204" pitchFamily="34" charset="-122"/>
+            </a:endParaRPr>
+          </a:p>
+          <a:p>
+            <a:endParaRPr lang="en-US" altLang="zh-CN" sz="1200" dirty="0" smtClean="0">
+              <a:solidFill>
+                <a:srgbClr val="92D050"/>
+              </a:solidFill>
+              <a:latin typeface="微软雅黑" panose="020B0503020204020204" pitchFamily="34" charset="-122"/>
+              <a:ea typeface="微软雅黑" panose="020B0503020204020204" pitchFamily="34" charset="-122"/>
+            </a:endParaRPr>
+          </a:p>
+          <a:p>
+            <a:pPr marL="171450" indent="-171450">
+              <a:buFont typeface="Arial" panose="020B0604020202020204" pitchFamily="34" charset="0"/>
+              <a:buChar char="•"/>
+            </a:pPr>
+            <a:r>
+              <a:rPr lang="en-US" altLang="zh-CN" sz="1200" dirty="0" err="1">
+                <a:solidFill>
+                  <a:srgbClr val="92D050"/>
+                </a:solidFill>
+                <a:latin typeface="微软雅黑" panose="020B0503020204020204" pitchFamily="34" charset="-122"/>
+                <a:ea typeface="微软雅黑" panose="020B0503020204020204" pitchFamily="34" charset="-122"/>
+              </a:rPr>
+              <a:t>kthreadd</a:t>
+            </a:r>
+            <a:r>
+              <a:rPr lang="en-US" altLang="zh-CN" sz="1200" dirty="0">
+                <a:solidFill>
+                  <a:srgbClr val="92D050"/>
+                </a:solidFill>
+                <a:latin typeface="微软雅黑" panose="020B0503020204020204" pitchFamily="34" charset="-122"/>
+                <a:ea typeface="微软雅黑" panose="020B0503020204020204" pitchFamily="34" charset="-122"/>
+              </a:rPr>
+              <a:t> </a:t>
+            </a:r>
+            <a:r>
+              <a:rPr lang="zh-CN" altLang="en-US" sz="1200" dirty="0">
+                <a:solidFill>
+                  <a:srgbClr val="92D050"/>
+                </a:solidFill>
+                <a:latin typeface="微软雅黑" panose="020B0503020204020204" pitchFamily="34" charset="-122"/>
+                <a:ea typeface="微软雅黑" panose="020B0503020204020204" pitchFamily="34" charset="-122"/>
+              </a:rPr>
+              <a:t>进程，在内核态运行，用来</a:t>
+            </a:r>
+            <a:r>
+              <a:rPr lang="zh-CN" altLang="en-US" sz="1200" dirty="0">
+                <a:solidFill>
+                  <a:schemeClr val="accent2"/>
+                </a:solidFill>
+                <a:latin typeface="微软雅黑" panose="020B0503020204020204" pitchFamily="34" charset="-122"/>
+                <a:ea typeface="微软雅黑" panose="020B0503020204020204" pitchFamily="34" charset="-122"/>
+              </a:rPr>
+              <a:t>管理内核</a:t>
+            </a:r>
+            <a:r>
+              <a:rPr lang="zh-CN" altLang="en-US" sz="1200" dirty="0" smtClean="0">
+                <a:solidFill>
+                  <a:schemeClr val="accent2"/>
+                </a:solidFill>
+                <a:latin typeface="微软雅黑" panose="020B0503020204020204" pitchFamily="34" charset="-122"/>
+                <a:ea typeface="微软雅黑" panose="020B0503020204020204" pitchFamily="34" charset="-122"/>
+              </a:rPr>
+              <a:t>线程</a:t>
+            </a:r>
+            <a:r>
+              <a:rPr lang="zh-CN" altLang="en-US" sz="1200" dirty="0">
+                <a:solidFill>
+                  <a:srgbClr val="92D050"/>
+                </a:solidFill>
+                <a:latin typeface="微软雅黑" panose="020B0503020204020204" pitchFamily="34" charset="-122"/>
+                <a:ea typeface="微软雅黑" panose="020B0503020204020204" pitchFamily="34" charset="-122"/>
+              </a:rPr>
+              <a:t>。</a:t>
+            </a:r>
+            <a:endParaRPr lang="en-US" altLang="zh-CN" sz="1200" dirty="0" smtClean="0">
+              <a:solidFill>
+                <a:srgbClr val="92D050"/>
+              </a:solidFill>
+              <a:latin typeface="微软雅黑" panose="020B0503020204020204" pitchFamily="34" charset="-122"/>
+              <a:ea typeface="微软雅黑" panose="020B0503020204020204" pitchFamily="34" charset="-122"/>
+            </a:endParaRPr>
+          </a:p>
+          <a:p>
+            <a:pPr marL="171450" indent="-171450">
+              <a:buFont typeface="Arial" panose="020B0604020202020204" pitchFamily="34" charset="0"/>
+              <a:buChar char="•"/>
+            </a:pPr>
+            <a:r>
+              <a:rPr lang="en-US" altLang="zh-CN" sz="1200" dirty="0" err="1" smtClean="0">
+                <a:solidFill>
+                  <a:srgbClr val="92D050"/>
+                </a:solidFill>
+                <a:latin typeface="微软雅黑" panose="020B0503020204020204" pitchFamily="34" charset="-122"/>
+                <a:ea typeface="微软雅黑" panose="020B0503020204020204" pitchFamily="34" charset="-122"/>
+              </a:rPr>
+              <a:t>ksoftirqd</a:t>
+            </a:r>
+            <a:r>
+              <a:rPr lang="zh-CN" altLang="en-US" sz="1200" dirty="0">
+                <a:solidFill>
+                  <a:srgbClr val="92D050"/>
+                </a:solidFill>
+                <a:latin typeface="微软雅黑" panose="020B0503020204020204" pitchFamily="34" charset="-122"/>
+                <a:ea typeface="微软雅黑" panose="020B0503020204020204" pitchFamily="34" charset="-122"/>
+              </a:rPr>
+              <a:t>：是一个用来</a:t>
+            </a:r>
+            <a:r>
+              <a:rPr lang="zh-CN" altLang="en-US" sz="1200" dirty="0">
+                <a:solidFill>
+                  <a:schemeClr val="accent2"/>
+                </a:solidFill>
+                <a:latin typeface="微软雅黑" panose="020B0503020204020204" pitchFamily="34" charset="-122"/>
+                <a:ea typeface="微软雅黑" panose="020B0503020204020204" pitchFamily="34" charset="-122"/>
+              </a:rPr>
+              <a:t>处理软中断</a:t>
+            </a:r>
+            <a:r>
+              <a:rPr lang="zh-CN" altLang="en-US" sz="1200" dirty="0">
+                <a:solidFill>
+                  <a:srgbClr val="92D050"/>
+                </a:solidFill>
+                <a:latin typeface="微软雅黑" panose="020B0503020204020204" pitchFamily="34" charset="-122"/>
+                <a:ea typeface="微软雅黑" panose="020B0503020204020204" pitchFamily="34" charset="-122"/>
+              </a:rPr>
+              <a:t>的内核线程，并且每个 </a:t>
+            </a:r>
+            <a:r>
+              <a:rPr lang="en-US" altLang="zh-CN" sz="1200" dirty="0">
+                <a:solidFill>
+                  <a:srgbClr val="92D050"/>
+                </a:solidFill>
+                <a:latin typeface="微软雅黑" panose="020B0503020204020204" pitchFamily="34" charset="-122"/>
+                <a:ea typeface="微软雅黑" panose="020B0503020204020204" pitchFamily="34" charset="-122"/>
+              </a:rPr>
+              <a:t>CPU </a:t>
+            </a:r>
+            <a:r>
+              <a:rPr lang="zh-CN" altLang="en-US" sz="1200" dirty="0">
+                <a:solidFill>
+                  <a:srgbClr val="92D050"/>
+                </a:solidFill>
+                <a:latin typeface="微软雅黑" panose="020B0503020204020204" pitchFamily="34" charset="-122"/>
+                <a:ea typeface="微软雅黑" panose="020B0503020204020204" pitchFamily="34" charset="-122"/>
+              </a:rPr>
+              <a:t>上都有一个。</a:t>
+            </a:r>
+            <a:endParaRPr lang="en-US" altLang="zh-CN" sz="1200" dirty="0" smtClean="0">
+              <a:solidFill>
+                <a:srgbClr val="92D050"/>
+              </a:solidFill>
+              <a:latin typeface="微软雅黑" panose="020B0503020204020204" pitchFamily="34" charset="-122"/>
+              <a:ea typeface="微软雅黑" panose="020B0503020204020204" pitchFamily="34" charset="-122"/>
+            </a:endParaRPr>
+          </a:p>
+          <a:p>
+            <a:pPr marL="171450" indent="-171450">
+              <a:buFont typeface="Arial" panose="020B0604020202020204" pitchFamily="34" charset="0"/>
+              <a:buChar char="•"/>
+            </a:pPr>
+            <a:r>
+              <a:rPr lang="en-US" altLang="zh-CN" sz="1200" dirty="0" smtClean="0">
+                <a:solidFill>
+                  <a:srgbClr val="92D050"/>
+                </a:solidFill>
+                <a:latin typeface="微软雅黑" panose="020B0503020204020204" pitchFamily="34" charset="-122"/>
+                <a:ea typeface="微软雅黑" panose="020B0503020204020204" pitchFamily="34" charset="-122"/>
+              </a:rPr>
+              <a:t>kswapd0</a:t>
+            </a:r>
+            <a:r>
+              <a:rPr lang="zh-CN" altLang="en-US" sz="1200" dirty="0">
+                <a:solidFill>
+                  <a:srgbClr val="92D050"/>
+                </a:solidFill>
+                <a:latin typeface="微软雅黑" panose="020B0503020204020204" pitchFamily="34" charset="-122"/>
+                <a:ea typeface="微软雅黑" panose="020B0503020204020204" pitchFamily="34" charset="-122"/>
+              </a:rPr>
+              <a:t>：用于</a:t>
+            </a:r>
+            <a:r>
+              <a:rPr lang="zh-CN" altLang="en-US" sz="1200" dirty="0">
+                <a:solidFill>
+                  <a:schemeClr val="accent2"/>
+                </a:solidFill>
+                <a:latin typeface="微软雅黑" panose="020B0503020204020204" pitchFamily="34" charset="-122"/>
+                <a:ea typeface="微软雅黑" panose="020B0503020204020204" pitchFamily="34" charset="-122"/>
+              </a:rPr>
+              <a:t>内存</a:t>
+            </a:r>
+            <a:r>
+              <a:rPr lang="zh-CN" altLang="en-US" sz="1200" dirty="0" smtClean="0">
+                <a:solidFill>
+                  <a:schemeClr val="accent2"/>
+                </a:solidFill>
+                <a:latin typeface="微软雅黑" panose="020B0503020204020204" pitchFamily="34" charset="-122"/>
+                <a:ea typeface="微软雅黑" panose="020B0503020204020204" pitchFamily="34" charset="-122"/>
+              </a:rPr>
+              <a:t>回收</a:t>
+            </a:r>
+            <a:r>
+              <a:rPr lang="zh-CN" altLang="en-US" sz="1200" dirty="0" smtClean="0">
+                <a:solidFill>
+                  <a:srgbClr val="92D050"/>
+                </a:solidFill>
+                <a:latin typeface="微软雅黑" panose="020B0503020204020204" pitchFamily="34" charset="-122"/>
+                <a:ea typeface="微软雅黑" panose="020B0503020204020204" pitchFamily="34" charset="-122"/>
+              </a:rPr>
+              <a:t>。</a:t>
+            </a:r>
+            <a:endParaRPr lang="zh-CN" altLang="en-US" sz="1200" dirty="0">
+              <a:solidFill>
+                <a:srgbClr val="92D050"/>
+              </a:solidFill>
+              <a:latin typeface="微软雅黑" panose="020B0503020204020204" pitchFamily="34" charset="-122"/>
+              <a:ea typeface="微软雅黑" panose="020B0503020204020204" pitchFamily="34" charset="-122"/>
+            </a:endParaRPr>
+          </a:p>
+          <a:p>
+            <a:pPr marL="171450" indent="-171450">
+              <a:buFont typeface="Arial" panose="020B0604020202020204" pitchFamily="34" charset="0"/>
+              <a:buChar char="•"/>
+            </a:pPr>
+            <a:r>
+              <a:rPr lang="en-US" altLang="zh-CN" sz="1200" dirty="0" err="1">
+                <a:solidFill>
+                  <a:srgbClr val="92D050"/>
+                </a:solidFill>
+                <a:latin typeface="微软雅黑" panose="020B0503020204020204" pitchFamily="34" charset="-122"/>
+                <a:ea typeface="微软雅黑" panose="020B0503020204020204" pitchFamily="34" charset="-122"/>
+              </a:rPr>
+              <a:t>kworker</a:t>
+            </a:r>
+            <a:r>
+              <a:rPr lang="zh-CN" altLang="en-US" sz="1200" dirty="0">
+                <a:solidFill>
+                  <a:srgbClr val="92D050"/>
+                </a:solidFill>
+                <a:latin typeface="微软雅黑" panose="020B0503020204020204" pitchFamily="34" charset="-122"/>
+                <a:ea typeface="微软雅黑" panose="020B0503020204020204" pitchFamily="34" charset="-122"/>
+              </a:rPr>
+              <a:t>：用于</a:t>
+            </a:r>
+            <a:r>
+              <a:rPr lang="zh-CN" altLang="en-US" sz="1200" dirty="0">
+                <a:solidFill>
+                  <a:schemeClr val="accent2"/>
+                </a:solidFill>
+                <a:latin typeface="微软雅黑" panose="020B0503020204020204" pitchFamily="34" charset="-122"/>
+                <a:ea typeface="微软雅黑" panose="020B0503020204020204" pitchFamily="34" charset="-122"/>
+              </a:rPr>
+              <a:t>执行内核工作队列</a:t>
+            </a:r>
+            <a:r>
+              <a:rPr lang="zh-CN" altLang="en-US" sz="1200" dirty="0">
+                <a:solidFill>
+                  <a:srgbClr val="92D050"/>
+                </a:solidFill>
+                <a:latin typeface="微软雅黑" panose="020B0503020204020204" pitchFamily="34" charset="-122"/>
+                <a:ea typeface="微软雅黑" panose="020B0503020204020204" pitchFamily="34" charset="-122"/>
+              </a:rPr>
+              <a:t>，分为绑定 </a:t>
+            </a:r>
+            <a:r>
+              <a:rPr lang="en-US" altLang="zh-CN" sz="1200" dirty="0">
+                <a:solidFill>
+                  <a:srgbClr val="92D050"/>
+                </a:solidFill>
+                <a:latin typeface="微软雅黑" panose="020B0503020204020204" pitchFamily="34" charset="-122"/>
+                <a:ea typeface="微软雅黑" panose="020B0503020204020204" pitchFamily="34" charset="-122"/>
+              </a:rPr>
+              <a:t>CPU </a:t>
+            </a:r>
+            <a:r>
+              <a:rPr lang="zh-CN" altLang="en-US" sz="1200" dirty="0">
+                <a:solidFill>
+                  <a:srgbClr val="92D050"/>
+                </a:solidFill>
+                <a:latin typeface="微软雅黑" panose="020B0503020204020204" pitchFamily="34" charset="-122"/>
+                <a:ea typeface="微软雅黑" panose="020B0503020204020204" pitchFamily="34" charset="-122"/>
+              </a:rPr>
+              <a:t>（名称格式为 </a:t>
+            </a:r>
+            <a:r>
+              <a:rPr lang="en-US" altLang="zh-CN" sz="1200" dirty="0" err="1">
+                <a:solidFill>
+                  <a:srgbClr val="92D050"/>
+                </a:solidFill>
+                <a:latin typeface="微软雅黑" panose="020B0503020204020204" pitchFamily="34" charset="-122"/>
+                <a:ea typeface="微软雅黑" panose="020B0503020204020204" pitchFamily="34" charset="-122"/>
+              </a:rPr>
+              <a:t>kworker</a:t>
+            </a:r>
+            <a:r>
+              <a:rPr lang="en-US" altLang="zh-CN" sz="1200" dirty="0">
+                <a:solidFill>
+                  <a:srgbClr val="92D050"/>
+                </a:solidFill>
+                <a:latin typeface="微软雅黑" panose="020B0503020204020204" pitchFamily="34" charset="-122"/>
+                <a:ea typeface="微软雅黑" panose="020B0503020204020204" pitchFamily="34" charset="-122"/>
+              </a:rPr>
+              <a:t>/CPU86330</a:t>
+            </a:r>
+            <a:r>
+              <a:rPr lang="zh-CN" altLang="en-US" sz="1200" dirty="0">
+                <a:solidFill>
+                  <a:srgbClr val="92D050"/>
+                </a:solidFill>
+                <a:latin typeface="微软雅黑" panose="020B0503020204020204" pitchFamily="34" charset="-122"/>
+                <a:ea typeface="微软雅黑" panose="020B0503020204020204" pitchFamily="34" charset="-122"/>
+              </a:rPr>
+              <a:t>）和未绑定 </a:t>
+            </a:r>
+            <a:r>
+              <a:rPr lang="en-US" altLang="zh-CN" sz="1200" dirty="0">
+                <a:solidFill>
+                  <a:srgbClr val="92D050"/>
+                </a:solidFill>
+                <a:latin typeface="微软雅黑" panose="020B0503020204020204" pitchFamily="34" charset="-122"/>
+                <a:ea typeface="微软雅黑" panose="020B0503020204020204" pitchFamily="34" charset="-122"/>
+              </a:rPr>
+              <a:t>CPU</a:t>
+            </a:r>
+            <a:r>
+              <a:rPr lang="zh-CN" altLang="en-US" sz="1200" dirty="0">
+                <a:solidFill>
+                  <a:srgbClr val="92D050"/>
+                </a:solidFill>
+                <a:latin typeface="微软雅黑" panose="020B0503020204020204" pitchFamily="34" charset="-122"/>
+                <a:ea typeface="微软雅黑" panose="020B0503020204020204" pitchFamily="34" charset="-122"/>
+              </a:rPr>
+              <a:t>（名称格式为 </a:t>
+            </a:r>
+            <a:r>
+              <a:rPr lang="en-US" altLang="zh-CN" sz="1200" dirty="0" err="1">
+                <a:solidFill>
+                  <a:srgbClr val="92D050"/>
+                </a:solidFill>
+                <a:latin typeface="微软雅黑" panose="020B0503020204020204" pitchFamily="34" charset="-122"/>
+                <a:ea typeface="微软雅黑" panose="020B0503020204020204" pitchFamily="34" charset="-122"/>
+              </a:rPr>
+              <a:t>kworker</a:t>
+            </a:r>
+            <a:r>
+              <a:rPr lang="en-US" altLang="zh-CN" sz="1200" dirty="0">
+                <a:solidFill>
+                  <a:srgbClr val="92D050"/>
+                </a:solidFill>
+                <a:latin typeface="微软雅黑" panose="020B0503020204020204" pitchFamily="34" charset="-122"/>
+                <a:ea typeface="微软雅黑" panose="020B0503020204020204" pitchFamily="34" charset="-122"/>
+              </a:rPr>
+              <a:t>/uPOOL86330</a:t>
+            </a:r>
+            <a:r>
+              <a:rPr lang="zh-CN" altLang="en-US" sz="1200" dirty="0">
+                <a:solidFill>
+                  <a:srgbClr val="92D050"/>
+                </a:solidFill>
+                <a:latin typeface="微软雅黑" panose="020B0503020204020204" pitchFamily="34" charset="-122"/>
+                <a:ea typeface="微软雅黑" panose="020B0503020204020204" pitchFamily="34" charset="-122"/>
+              </a:rPr>
+              <a:t>）两类。</a:t>
+            </a:r>
+          </a:p>
+          <a:p>
+            <a:pPr marL="171450" indent="-171450">
+              <a:buFont typeface="Arial" panose="020B0604020202020204" pitchFamily="34" charset="0"/>
+              <a:buChar char="•"/>
+            </a:pPr>
+            <a:r>
+              <a:rPr lang="en-US" altLang="zh-CN" sz="1200" dirty="0">
+                <a:solidFill>
+                  <a:srgbClr val="92D050"/>
+                </a:solidFill>
+                <a:latin typeface="微软雅黑" panose="020B0503020204020204" pitchFamily="34" charset="-122"/>
+                <a:ea typeface="微软雅黑" panose="020B0503020204020204" pitchFamily="34" charset="-122"/>
+              </a:rPr>
+              <a:t>migration</a:t>
+            </a:r>
+            <a:r>
+              <a:rPr lang="zh-CN" altLang="en-US" sz="1200" dirty="0">
+                <a:solidFill>
+                  <a:srgbClr val="92D050"/>
+                </a:solidFill>
+                <a:latin typeface="微软雅黑" panose="020B0503020204020204" pitchFamily="34" charset="-122"/>
+                <a:ea typeface="微软雅黑" panose="020B0503020204020204" pitchFamily="34" charset="-122"/>
+              </a:rPr>
+              <a:t>：在负载均衡过程中，把进程迁移到 </a:t>
+            </a:r>
+            <a:r>
+              <a:rPr lang="en-US" altLang="zh-CN" sz="1200" dirty="0">
+                <a:solidFill>
+                  <a:srgbClr val="92D050"/>
+                </a:solidFill>
+                <a:latin typeface="微软雅黑" panose="020B0503020204020204" pitchFamily="34" charset="-122"/>
+                <a:ea typeface="微软雅黑" panose="020B0503020204020204" pitchFamily="34" charset="-122"/>
+              </a:rPr>
+              <a:t>CPU </a:t>
+            </a:r>
+            <a:r>
+              <a:rPr lang="zh-CN" altLang="en-US" sz="1200" dirty="0">
+                <a:solidFill>
+                  <a:srgbClr val="92D050"/>
+                </a:solidFill>
+                <a:latin typeface="微软雅黑" panose="020B0503020204020204" pitchFamily="34" charset="-122"/>
+                <a:ea typeface="微软雅黑" panose="020B0503020204020204" pitchFamily="34" charset="-122"/>
+              </a:rPr>
+              <a:t>上。每个 </a:t>
+            </a:r>
+            <a:r>
+              <a:rPr lang="en-US" altLang="zh-CN" sz="1200" dirty="0">
+                <a:solidFill>
+                  <a:srgbClr val="92D050"/>
+                </a:solidFill>
+                <a:latin typeface="微软雅黑" panose="020B0503020204020204" pitchFamily="34" charset="-122"/>
+                <a:ea typeface="微软雅黑" panose="020B0503020204020204" pitchFamily="34" charset="-122"/>
+              </a:rPr>
+              <a:t>CPU </a:t>
+            </a:r>
+            <a:r>
+              <a:rPr lang="zh-CN" altLang="en-US" sz="1200" dirty="0">
+                <a:solidFill>
+                  <a:srgbClr val="92D050"/>
+                </a:solidFill>
+                <a:latin typeface="微软雅黑" panose="020B0503020204020204" pitchFamily="34" charset="-122"/>
+                <a:ea typeface="微软雅黑" panose="020B0503020204020204" pitchFamily="34" charset="-122"/>
+              </a:rPr>
+              <a:t>都有一个 </a:t>
+            </a:r>
+            <a:r>
+              <a:rPr lang="en-US" altLang="zh-CN" sz="1200" dirty="0">
+                <a:solidFill>
+                  <a:srgbClr val="92D050"/>
+                </a:solidFill>
+                <a:latin typeface="微软雅黑" panose="020B0503020204020204" pitchFamily="34" charset="-122"/>
+                <a:ea typeface="微软雅黑" panose="020B0503020204020204" pitchFamily="34" charset="-122"/>
+              </a:rPr>
+              <a:t>migration </a:t>
+            </a:r>
+            <a:r>
+              <a:rPr lang="zh-CN" altLang="en-US" sz="1200" dirty="0">
+                <a:solidFill>
+                  <a:srgbClr val="92D050"/>
+                </a:solidFill>
+                <a:latin typeface="微软雅黑" panose="020B0503020204020204" pitchFamily="34" charset="-122"/>
+                <a:ea typeface="微软雅黑" panose="020B0503020204020204" pitchFamily="34" charset="-122"/>
+              </a:rPr>
+              <a:t>内核线程。</a:t>
+            </a:r>
+          </a:p>
+          <a:p>
+            <a:pPr marL="171450" indent="-171450">
+              <a:buFont typeface="Arial" panose="020B0604020202020204" pitchFamily="34" charset="0"/>
+              <a:buChar char="•"/>
+            </a:pPr>
+            <a:r>
+              <a:rPr lang="en-US" altLang="zh-CN" sz="1200" dirty="0">
+                <a:solidFill>
+                  <a:srgbClr val="92D050"/>
+                </a:solidFill>
+                <a:latin typeface="微软雅黑" panose="020B0503020204020204" pitchFamily="34" charset="-122"/>
+                <a:ea typeface="微软雅黑" panose="020B0503020204020204" pitchFamily="34" charset="-122"/>
+              </a:rPr>
+              <a:t>jbd2/sda1-8</a:t>
+            </a:r>
+            <a:r>
+              <a:rPr lang="zh-CN" altLang="en-US" sz="1200" dirty="0">
+                <a:solidFill>
+                  <a:srgbClr val="92D050"/>
+                </a:solidFill>
+                <a:latin typeface="微软雅黑" panose="020B0503020204020204" pitchFamily="34" charset="-122"/>
+                <a:ea typeface="微软雅黑" panose="020B0503020204020204" pitchFamily="34" charset="-122"/>
+              </a:rPr>
+              <a:t>：</a:t>
+            </a:r>
+            <a:r>
+              <a:rPr lang="en-US" altLang="zh-CN" sz="1200" dirty="0" err="1">
+                <a:solidFill>
+                  <a:srgbClr val="92D050"/>
+                </a:solidFill>
+                <a:latin typeface="微软雅黑" panose="020B0503020204020204" pitchFamily="34" charset="-122"/>
+                <a:ea typeface="微软雅黑" panose="020B0503020204020204" pitchFamily="34" charset="-122"/>
+              </a:rPr>
+              <a:t>jbd</a:t>
+            </a:r>
+            <a:r>
+              <a:rPr lang="en-US" altLang="zh-CN" sz="1200" dirty="0">
+                <a:solidFill>
+                  <a:srgbClr val="92D050"/>
+                </a:solidFill>
+                <a:latin typeface="微软雅黑" panose="020B0503020204020204" pitchFamily="34" charset="-122"/>
+                <a:ea typeface="微软雅黑" panose="020B0503020204020204" pitchFamily="34" charset="-122"/>
+              </a:rPr>
+              <a:t> </a:t>
+            </a:r>
+            <a:r>
+              <a:rPr lang="zh-CN" altLang="en-US" sz="1200" dirty="0">
+                <a:solidFill>
+                  <a:srgbClr val="92D050"/>
+                </a:solidFill>
+                <a:latin typeface="微软雅黑" panose="020B0503020204020204" pitchFamily="34" charset="-122"/>
+                <a:ea typeface="微软雅黑" panose="020B0503020204020204" pitchFamily="34" charset="-122"/>
+              </a:rPr>
+              <a:t>是 </a:t>
+            </a:r>
+            <a:r>
+              <a:rPr lang="en-US" altLang="zh-CN" sz="1200" dirty="0">
+                <a:solidFill>
+                  <a:srgbClr val="92D050"/>
+                </a:solidFill>
+                <a:latin typeface="微软雅黑" panose="020B0503020204020204" pitchFamily="34" charset="-122"/>
+                <a:ea typeface="微软雅黑" panose="020B0503020204020204" pitchFamily="34" charset="-122"/>
+              </a:rPr>
+              <a:t>Journaling Block Device </a:t>
+            </a:r>
+            <a:r>
+              <a:rPr lang="zh-CN" altLang="en-US" sz="1200" dirty="0">
+                <a:solidFill>
+                  <a:srgbClr val="92D050"/>
+                </a:solidFill>
+                <a:latin typeface="微软雅黑" panose="020B0503020204020204" pitchFamily="34" charset="-122"/>
+                <a:ea typeface="微软雅黑" panose="020B0503020204020204" pitchFamily="34" charset="-122"/>
+              </a:rPr>
+              <a:t>的缩写，用来</a:t>
+            </a:r>
+            <a:r>
+              <a:rPr lang="zh-CN" altLang="en-US" sz="1200" dirty="0">
+                <a:solidFill>
+                  <a:schemeClr val="accent2"/>
+                </a:solidFill>
+                <a:latin typeface="微软雅黑" panose="020B0503020204020204" pitchFamily="34" charset="-122"/>
+                <a:ea typeface="微软雅黑" panose="020B0503020204020204" pitchFamily="34" charset="-122"/>
+              </a:rPr>
+              <a:t>为文件系统提供日志功能</a:t>
+            </a:r>
+            <a:r>
+              <a:rPr lang="zh-CN" altLang="en-US" sz="1200" dirty="0">
+                <a:solidFill>
+                  <a:srgbClr val="92D050"/>
+                </a:solidFill>
+                <a:latin typeface="微软雅黑" panose="020B0503020204020204" pitchFamily="34" charset="-122"/>
+                <a:ea typeface="微软雅黑" panose="020B0503020204020204" pitchFamily="34" charset="-122"/>
+              </a:rPr>
+              <a:t>，以保证数据的完整性；名称中的 </a:t>
+            </a:r>
+            <a:r>
+              <a:rPr lang="en-US" altLang="zh-CN" sz="1200" dirty="0">
+                <a:solidFill>
+                  <a:srgbClr val="92D050"/>
+                </a:solidFill>
+                <a:latin typeface="微软雅黑" panose="020B0503020204020204" pitchFamily="34" charset="-122"/>
+                <a:ea typeface="微软雅黑" panose="020B0503020204020204" pitchFamily="34" charset="-122"/>
+              </a:rPr>
+              <a:t>sda1-8</a:t>
+            </a:r>
+            <a:r>
+              <a:rPr lang="zh-CN" altLang="en-US" sz="1200" dirty="0">
+                <a:solidFill>
+                  <a:srgbClr val="92D050"/>
+                </a:solidFill>
+                <a:latin typeface="微软雅黑" panose="020B0503020204020204" pitchFamily="34" charset="-122"/>
+                <a:ea typeface="微软雅黑" panose="020B0503020204020204" pitchFamily="34" charset="-122"/>
+              </a:rPr>
+              <a:t>，表示磁盘分区名称和设备号。每个使用了 </a:t>
+            </a:r>
+            <a:r>
+              <a:rPr lang="en-US" altLang="zh-CN" sz="1200" dirty="0">
+                <a:solidFill>
+                  <a:srgbClr val="92D050"/>
+                </a:solidFill>
+                <a:latin typeface="微软雅黑" panose="020B0503020204020204" pitchFamily="34" charset="-122"/>
+                <a:ea typeface="微软雅黑" panose="020B0503020204020204" pitchFamily="34" charset="-122"/>
+              </a:rPr>
+              <a:t>ext4 </a:t>
+            </a:r>
+            <a:r>
+              <a:rPr lang="zh-CN" altLang="en-US" sz="1200" dirty="0">
+                <a:solidFill>
+                  <a:srgbClr val="92D050"/>
+                </a:solidFill>
+                <a:latin typeface="微软雅黑" panose="020B0503020204020204" pitchFamily="34" charset="-122"/>
+                <a:ea typeface="微软雅黑" panose="020B0503020204020204" pitchFamily="34" charset="-122"/>
+              </a:rPr>
+              <a:t>文件系统的磁盘分区，都会有一个 </a:t>
+            </a:r>
+            <a:r>
+              <a:rPr lang="en-US" altLang="zh-CN" sz="1200" dirty="0">
+                <a:solidFill>
+                  <a:srgbClr val="92D050"/>
+                </a:solidFill>
+                <a:latin typeface="微软雅黑" panose="020B0503020204020204" pitchFamily="34" charset="-122"/>
+                <a:ea typeface="微软雅黑" panose="020B0503020204020204" pitchFamily="34" charset="-122"/>
+              </a:rPr>
+              <a:t>jbd2 </a:t>
+            </a:r>
+            <a:r>
+              <a:rPr lang="zh-CN" altLang="en-US" sz="1200" dirty="0">
+                <a:solidFill>
+                  <a:srgbClr val="92D050"/>
+                </a:solidFill>
+                <a:latin typeface="微软雅黑" panose="020B0503020204020204" pitchFamily="34" charset="-122"/>
+                <a:ea typeface="微软雅黑" panose="020B0503020204020204" pitchFamily="34" charset="-122"/>
+              </a:rPr>
+              <a:t>内核线程。</a:t>
+            </a:r>
+          </a:p>
+          <a:p>
+            <a:pPr marL="171450" indent="-171450">
+              <a:buFont typeface="Arial" panose="020B0604020202020204" pitchFamily="34" charset="0"/>
+              <a:buChar char="•"/>
+            </a:pPr>
+            <a:r>
+              <a:rPr lang="en-US" altLang="zh-CN" sz="1200" dirty="0" err="1">
+                <a:solidFill>
+                  <a:srgbClr val="92D050"/>
+                </a:solidFill>
+                <a:latin typeface="微软雅黑" panose="020B0503020204020204" pitchFamily="34" charset="-122"/>
+                <a:ea typeface="微软雅黑" panose="020B0503020204020204" pitchFamily="34" charset="-122"/>
+              </a:rPr>
+              <a:t>pdflush</a:t>
+            </a:r>
+            <a:r>
+              <a:rPr lang="zh-CN" altLang="en-US" sz="1200" dirty="0">
+                <a:solidFill>
+                  <a:srgbClr val="92D050"/>
+                </a:solidFill>
+                <a:latin typeface="微软雅黑" panose="020B0503020204020204" pitchFamily="34" charset="-122"/>
+                <a:ea typeface="微软雅黑" panose="020B0503020204020204" pitchFamily="34" charset="-122"/>
+              </a:rPr>
+              <a:t>：用于</a:t>
+            </a:r>
+            <a:r>
+              <a:rPr lang="zh-CN" altLang="en-US" sz="1200" dirty="0">
+                <a:solidFill>
+                  <a:schemeClr val="accent2"/>
+                </a:solidFill>
+                <a:latin typeface="微软雅黑" panose="020B0503020204020204" pitchFamily="34" charset="-122"/>
+                <a:ea typeface="微软雅黑" panose="020B0503020204020204" pitchFamily="34" charset="-122"/>
+              </a:rPr>
+              <a:t>将内存中的脏页</a:t>
+            </a:r>
+            <a:r>
+              <a:rPr lang="zh-CN" altLang="en-US" sz="1200" dirty="0">
+                <a:solidFill>
+                  <a:srgbClr val="92D050"/>
+                </a:solidFill>
+                <a:latin typeface="微软雅黑" panose="020B0503020204020204" pitchFamily="34" charset="-122"/>
+                <a:ea typeface="微软雅黑" panose="020B0503020204020204" pitchFamily="34" charset="-122"/>
+              </a:rPr>
+              <a:t>（被修改过，但还未写入磁盘的文件页）</a:t>
+            </a:r>
+            <a:r>
+              <a:rPr lang="zh-CN" altLang="en-US" sz="1200" dirty="0">
+                <a:solidFill>
+                  <a:schemeClr val="accent2"/>
+                </a:solidFill>
+                <a:latin typeface="微软雅黑" panose="020B0503020204020204" pitchFamily="34" charset="-122"/>
+                <a:ea typeface="微软雅黑" panose="020B0503020204020204" pitchFamily="34" charset="-122"/>
+              </a:rPr>
+              <a:t>写入磁盘</a:t>
+            </a:r>
+            <a:r>
+              <a:rPr lang="zh-CN" altLang="en-US" sz="1200" dirty="0">
+                <a:solidFill>
+                  <a:srgbClr val="92D050"/>
+                </a:solidFill>
+                <a:latin typeface="微软雅黑" panose="020B0503020204020204" pitchFamily="34" charset="-122"/>
+                <a:ea typeface="微软雅黑" panose="020B0503020204020204" pitchFamily="34" charset="-122"/>
+              </a:rPr>
+              <a:t>（已经在 </a:t>
+            </a:r>
+            <a:r>
+              <a:rPr lang="en-US" altLang="zh-CN" sz="1200" dirty="0">
+                <a:solidFill>
+                  <a:srgbClr val="92D050"/>
+                </a:solidFill>
+                <a:latin typeface="微软雅黑" panose="020B0503020204020204" pitchFamily="34" charset="-122"/>
+                <a:ea typeface="微软雅黑" panose="020B0503020204020204" pitchFamily="34" charset="-122"/>
+              </a:rPr>
+              <a:t>3.10 </a:t>
+            </a:r>
+            <a:r>
+              <a:rPr lang="zh-CN" altLang="en-US" sz="1200" dirty="0">
+                <a:solidFill>
+                  <a:srgbClr val="92D050"/>
+                </a:solidFill>
+                <a:latin typeface="微软雅黑" panose="020B0503020204020204" pitchFamily="34" charset="-122"/>
+                <a:ea typeface="微软雅黑" panose="020B0503020204020204" pitchFamily="34" charset="-122"/>
+              </a:rPr>
+              <a:t>中合并入了 </a:t>
+            </a:r>
+            <a:r>
+              <a:rPr lang="en-US" altLang="zh-CN" sz="1200" dirty="0" err="1">
+                <a:solidFill>
+                  <a:srgbClr val="92D050"/>
+                </a:solidFill>
+                <a:latin typeface="微软雅黑" panose="020B0503020204020204" pitchFamily="34" charset="-122"/>
+                <a:ea typeface="微软雅黑" panose="020B0503020204020204" pitchFamily="34" charset="-122"/>
+              </a:rPr>
+              <a:t>kworker</a:t>
+            </a:r>
+            <a:r>
+              <a:rPr lang="en-US" altLang="zh-CN" sz="1200" dirty="0">
+                <a:solidFill>
+                  <a:srgbClr val="92D050"/>
+                </a:solidFill>
+                <a:latin typeface="微软雅黑" panose="020B0503020204020204" pitchFamily="34" charset="-122"/>
+                <a:ea typeface="微软雅黑" panose="020B0503020204020204" pitchFamily="34" charset="-122"/>
+              </a:rPr>
+              <a:t> </a:t>
+            </a:r>
+            <a:r>
+              <a:rPr lang="zh-CN" altLang="en-US" sz="1200" dirty="0">
+                <a:solidFill>
+                  <a:srgbClr val="92D050"/>
+                </a:solidFill>
+                <a:latin typeface="微软雅黑" panose="020B0503020204020204" pitchFamily="34" charset="-122"/>
+                <a:ea typeface="微软雅黑" panose="020B0503020204020204" pitchFamily="34" charset="-122"/>
+              </a:rPr>
+              <a:t>中）。</a:t>
+            </a:r>
+            <a:endParaRPr lang="en-US" altLang="zh-CN" sz="1200" dirty="0">
+              <a:solidFill>
+                <a:srgbClr val="92D050"/>
+              </a:solidFill>
+              <a:latin typeface="微软雅黑" panose="020B0503020204020204" pitchFamily="34" charset="-122"/>
+              <a:ea typeface="微软雅黑" panose="020B0503020204020204" pitchFamily="34" charset="-122"/>
+            </a:endParaRPr>
+          </a:p>
+        </p:txBody>
+      </p:sp>
+    </p:spTree>
+    <p:extLst>
+      <p:ext uri="{BB962C8B-B14F-4D97-AF65-F5344CB8AC3E}">
+        <p14:creationId xmlns:p14="http://schemas.microsoft.com/office/powerpoint/2010/main" val="4054690833"/>
+      </p:ext>
+    </p:extLst>
+  </p:cSld>
+  <p:clrMapOvr>
+    <a:masterClrMapping/>
+  </p:clrMapOvr>
+  <p:timing>
+    <p:tnLst>
+      <p:par>
+        <p:cTn id="1" dur="indefinite" restart="never" nodeType="tmRoot"/>
+      </p:par>
+    </p:tnLst>
+  </p:timing>
+</p:sld>
+</file>
+
+<file path=ppt/slides/slide22.xml><?xml version="1.0" encoding="utf-8"?>
+<p:sld xmlns:a="http://schemas.openxmlformats.org/drawingml/2006/main" xmlns:r="http://schemas.openxmlformats.org/officeDocument/2006/relationships" xmlns:p="http://schemas.openxmlformats.org/presentationml/2006/main">
+  <p:cSld>
+    <p:spTree>
+      <p:nvGrpSpPr>
+        <p:cNvPr id="1" name=""/>
+        <p:cNvGrpSpPr/>
+        <p:nvPr/>
+      </p:nvGrpSpPr>
+      <p:grpSpPr>
+        <a:xfrm>
+          <a:off x="0" y="0"/>
+          <a:ext cx="0" cy="0"/>
+          <a:chOff x="0" y="0"/>
+          <a:chExt cx="0" cy="0"/>
+        </a:xfrm>
+      </p:grpSpPr>
+      <p:sp>
+        <p:nvSpPr>
+          <p:cNvPr id="2" name="标题 1"/>
+          <p:cNvSpPr>
+            <a:spLocks noGrp="1"/>
+          </p:cNvSpPr>
+          <p:nvPr>
+            <p:ph type="title"/>
+          </p:nvPr>
+        </p:nvSpPr>
+        <p:spPr>
+          <a:xfrm>
+            <a:off x="114300" y="152400"/>
+            <a:ext cx="11976100" cy="602359"/>
+          </a:xfrm>
+        </p:spPr>
+        <p:txBody>
+          <a:bodyPr/>
+          <a:lstStyle/>
+          <a:p>
+            <a:r>
+              <a:rPr lang="zh-CN" altLang="en-US" sz="3200" b="1" dirty="0">
+                <a:latin typeface="微软雅黑" panose="020B0503020204020204" pitchFamily="34" charset="-122"/>
+                <a:ea typeface="微软雅黑" panose="020B0503020204020204" pitchFamily="34" charset="-122"/>
+              </a:rPr>
+              <a:t>案例篇：内核线程</a:t>
+            </a:r>
+            <a:r>
+              <a:rPr lang="en-US" altLang="zh-CN" sz="3200" b="1" dirty="0">
+                <a:latin typeface="微软雅黑" panose="020B0503020204020204" pitchFamily="34" charset="-122"/>
+                <a:ea typeface="微软雅黑" panose="020B0503020204020204" pitchFamily="34" charset="-122"/>
+              </a:rPr>
+              <a:t>CPU</a:t>
+            </a:r>
+            <a:r>
+              <a:rPr lang="zh-CN" altLang="en-US" sz="3200" b="1" dirty="0">
+                <a:latin typeface="微软雅黑" panose="020B0503020204020204" pitchFamily="34" charset="-122"/>
+                <a:ea typeface="微软雅黑" panose="020B0503020204020204" pitchFamily="34" charset="-122"/>
+              </a:rPr>
+              <a:t>利用率太高，我该怎么办？</a:t>
+            </a:r>
+            <a:endParaRPr lang="zh-CN" altLang="en-US" sz="3200" dirty="0">
+              <a:latin typeface="微软雅黑" panose="020B0503020204020204" pitchFamily="34" charset="-122"/>
+              <a:ea typeface="微软雅黑" panose="020B0503020204020204" pitchFamily="34" charset="-122"/>
+            </a:endParaRPr>
+          </a:p>
+        </p:txBody>
+      </p:sp>
+      <p:sp>
+        <p:nvSpPr>
+          <p:cNvPr id="7" name="文本框 6"/>
+          <p:cNvSpPr txBox="1"/>
+          <p:nvPr/>
+        </p:nvSpPr>
+        <p:spPr>
+          <a:xfrm>
+            <a:off x="114300" y="842111"/>
+            <a:ext cx="2492990" cy="369332"/>
+          </a:xfrm>
+          <a:prstGeom prst="rect">
+            <a:avLst/>
+          </a:prstGeom>
+          <a:noFill/>
+        </p:spPr>
+        <p:txBody>
+          <a:bodyPr wrap="none">
+            <a:spAutoFit/>
+            <a:scene3d>
+              <a:camera prst="orthographicFront"/>
+              <a:lightRig rig="harsh" dir="t"/>
+            </a:scene3d>
+            <a:sp3d extrusionH="57150" prstMaterial="matte">
+              <a:bevelT w="63500" h="12700" prst="angle"/>
+              <a:contourClr>
+                <a:schemeClr val="bg1">
+                  <a:lumMod val="65000"/>
+                </a:schemeClr>
+              </a:contourClr>
+            </a:sp3d>
+          </a:bodyPr>
+          <a:lstStyle/>
+          <a:p>
+            <a:pPr>
+              <a:defRPr/>
+            </a:pPr>
+            <a:r>
+              <a:rPr lang="zh-CN" altLang="en-US" b="1" dirty="0" smtClean="0">
+                <a:ln/>
+                <a:solidFill>
+                  <a:srgbClr val="4FD1FF"/>
+                </a:solidFill>
+                <a:latin typeface="微软雅黑" panose="020B0503020204020204" pitchFamily="34" charset="-122"/>
+                <a:ea typeface="微软雅黑" panose="020B0503020204020204" pitchFamily="34" charset="-122"/>
+              </a:rPr>
+              <a:t>内核线程性能问题表象</a:t>
+            </a:r>
+            <a:endParaRPr lang="en-US" altLang="zh-CN" b="1" dirty="0">
+              <a:ln/>
+              <a:solidFill>
+                <a:srgbClr val="4FD1FF"/>
+              </a:solidFill>
+              <a:latin typeface="微软雅黑" panose="020B0503020204020204" pitchFamily="34" charset="-122"/>
+              <a:ea typeface="微软雅黑" panose="020B0503020204020204" pitchFamily="34" charset="-122"/>
+            </a:endParaRPr>
+          </a:p>
+        </p:txBody>
+      </p:sp>
+      <p:sp>
+        <p:nvSpPr>
+          <p:cNvPr id="6" name="矩形 5"/>
+          <p:cNvSpPr/>
+          <p:nvPr/>
+        </p:nvSpPr>
+        <p:spPr>
+          <a:xfrm>
+            <a:off x="114300" y="1298795"/>
+            <a:ext cx="9540240" cy="2400657"/>
+          </a:xfrm>
+          <a:prstGeom prst="rect">
+            <a:avLst/>
+          </a:prstGeom>
+        </p:spPr>
+        <p:txBody>
+          <a:bodyPr wrap="square">
+            <a:spAutoFit/>
+          </a:bodyPr>
+          <a:lstStyle/>
+          <a:p>
+            <a:r>
+              <a:rPr lang="en-US" altLang="zh-CN" sz="1000" dirty="0">
+                <a:latin typeface="黑体" panose="02010609060101010101" pitchFamily="49" charset="-122"/>
+                <a:ea typeface="黑体" panose="02010609060101010101" pitchFamily="49" charset="-122"/>
+              </a:rPr>
+              <a:t>$ top</a:t>
+            </a:r>
+          </a:p>
+          <a:p>
+            <a:r>
+              <a:rPr lang="en-US" altLang="zh-CN" sz="1000" dirty="0">
+                <a:latin typeface="黑体" panose="02010609060101010101" pitchFamily="49" charset="-122"/>
+                <a:ea typeface="黑体" panose="02010609060101010101" pitchFamily="49" charset="-122"/>
+              </a:rPr>
+              <a:t>top - 08:31:43 up 17 min,  1 user,  load average: 0.00, 0.00, 0.02</a:t>
+            </a:r>
+          </a:p>
+          <a:p>
+            <a:r>
+              <a:rPr lang="en-US" altLang="zh-CN" sz="1000" dirty="0">
+                <a:latin typeface="黑体" panose="02010609060101010101" pitchFamily="49" charset="-122"/>
+                <a:ea typeface="黑体" panose="02010609060101010101" pitchFamily="49" charset="-122"/>
+              </a:rPr>
+              <a:t>Tasks: 128 total,   1 running,  69 sleeping,   0 stopped,   0 zombie</a:t>
+            </a:r>
+          </a:p>
+          <a:p>
+            <a:r>
+              <a:rPr lang="en-US" altLang="zh-CN" sz="1000" dirty="0">
+                <a:latin typeface="黑体" panose="02010609060101010101" pitchFamily="49" charset="-122"/>
+                <a:ea typeface="黑体" panose="02010609060101010101" pitchFamily="49" charset="-122"/>
+              </a:rPr>
+              <a:t>%Cpu0  :  0.3 us,  0.3 </a:t>
+            </a:r>
+            <a:r>
+              <a:rPr lang="en-US" altLang="zh-CN" sz="1000" dirty="0" err="1">
+                <a:latin typeface="黑体" panose="02010609060101010101" pitchFamily="49" charset="-122"/>
+                <a:ea typeface="黑体" panose="02010609060101010101" pitchFamily="49" charset="-122"/>
+              </a:rPr>
+              <a:t>sy</a:t>
+            </a:r>
+            <a:r>
+              <a:rPr lang="en-US" altLang="zh-CN" sz="1000" dirty="0">
+                <a:latin typeface="黑体" panose="02010609060101010101" pitchFamily="49" charset="-122"/>
+                <a:ea typeface="黑体" panose="02010609060101010101" pitchFamily="49" charset="-122"/>
+              </a:rPr>
+              <a:t>,  0.0 </a:t>
+            </a:r>
+            <a:r>
+              <a:rPr lang="en-US" altLang="zh-CN" sz="1000" dirty="0" err="1">
+                <a:latin typeface="黑体" panose="02010609060101010101" pitchFamily="49" charset="-122"/>
+                <a:ea typeface="黑体" panose="02010609060101010101" pitchFamily="49" charset="-122"/>
+              </a:rPr>
+              <a:t>ni</a:t>
+            </a:r>
+            <a:r>
+              <a:rPr lang="en-US" altLang="zh-CN" sz="1000" dirty="0">
+                <a:latin typeface="黑体" panose="02010609060101010101" pitchFamily="49" charset="-122"/>
+                <a:ea typeface="黑体" panose="02010609060101010101" pitchFamily="49" charset="-122"/>
+              </a:rPr>
+              <a:t>, 66.8 id,  0.3 </a:t>
+            </a:r>
+            <a:r>
+              <a:rPr lang="en-US" altLang="zh-CN" sz="1000" dirty="0" err="1">
+                <a:latin typeface="黑体" panose="02010609060101010101" pitchFamily="49" charset="-122"/>
+                <a:ea typeface="黑体" panose="02010609060101010101" pitchFamily="49" charset="-122"/>
+              </a:rPr>
+              <a:t>wa</a:t>
+            </a:r>
+            <a:r>
+              <a:rPr lang="en-US" altLang="zh-CN" sz="1000" dirty="0">
+                <a:latin typeface="黑体" panose="02010609060101010101" pitchFamily="49" charset="-122"/>
+                <a:ea typeface="黑体" panose="02010609060101010101" pitchFamily="49" charset="-122"/>
+              </a:rPr>
+              <a:t>,  0.0 hi, </a:t>
+            </a:r>
+            <a:r>
+              <a:rPr lang="en-US" altLang="zh-CN" sz="1000" dirty="0">
+                <a:solidFill>
+                  <a:schemeClr val="accent2"/>
+                </a:solidFill>
+                <a:latin typeface="黑体" panose="02010609060101010101" pitchFamily="49" charset="-122"/>
+                <a:ea typeface="黑体" panose="02010609060101010101" pitchFamily="49" charset="-122"/>
+              </a:rPr>
+              <a:t>32.4</a:t>
+            </a:r>
+            <a:r>
+              <a:rPr lang="en-US" altLang="zh-CN" sz="1000" dirty="0">
+                <a:latin typeface="黑体" panose="02010609060101010101" pitchFamily="49" charset="-122"/>
+                <a:ea typeface="黑体" panose="02010609060101010101" pitchFamily="49" charset="-122"/>
+              </a:rPr>
+              <a:t> </a:t>
+            </a:r>
+            <a:r>
+              <a:rPr lang="en-US" altLang="zh-CN" sz="1000" dirty="0" err="1">
+                <a:latin typeface="黑体" panose="02010609060101010101" pitchFamily="49" charset="-122"/>
+                <a:ea typeface="黑体" panose="02010609060101010101" pitchFamily="49" charset="-122"/>
+              </a:rPr>
+              <a:t>si</a:t>
+            </a:r>
+            <a:r>
+              <a:rPr lang="en-US" altLang="zh-CN" sz="1000" dirty="0">
+                <a:latin typeface="黑体" panose="02010609060101010101" pitchFamily="49" charset="-122"/>
+                <a:ea typeface="黑体" panose="02010609060101010101" pitchFamily="49" charset="-122"/>
+              </a:rPr>
+              <a:t>,  0.0 </a:t>
+            </a:r>
+            <a:r>
+              <a:rPr lang="en-US" altLang="zh-CN" sz="1000" dirty="0" err="1">
+                <a:latin typeface="黑体" panose="02010609060101010101" pitchFamily="49" charset="-122"/>
+                <a:ea typeface="黑体" panose="02010609060101010101" pitchFamily="49" charset="-122"/>
+              </a:rPr>
+              <a:t>st</a:t>
+            </a:r>
+            <a:endParaRPr lang="en-US" altLang="zh-CN" sz="1000" dirty="0">
+              <a:latin typeface="黑体" panose="02010609060101010101" pitchFamily="49" charset="-122"/>
+              <a:ea typeface="黑体" panose="02010609060101010101" pitchFamily="49" charset="-122"/>
+            </a:endParaRPr>
+          </a:p>
+          <a:p>
+            <a:r>
+              <a:rPr lang="en-US" altLang="zh-CN" sz="1000" dirty="0">
+                <a:latin typeface="黑体" panose="02010609060101010101" pitchFamily="49" charset="-122"/>
+                <a:ea typeface="黑体" panose="02010609060101010101" pitchFamily="49" charset="-122"/>
+              </a:rPr>
+              <a:t>%Cpu1  :  0.0 us,  0.3 </a:t>
+            </a:r>
+            <a:r>
+              <a:rPr lang="en-US" altLang="zh-CN" sz="1000" dirty="0" err="1">
+                <a:latin typeface="黑体" panose="02010609060101010101" pitchFamily="49" charset="-122"/>
+                <a:ea typeface="黑体" panose="02010609060101010101" pitchFamily="49" charset="-122"/>
+              </a:rPr>
+              <a:t>sy</a:t>
+            </a:r>
+            <a:r>
+              <a:rPr lang="en-US" altLang="zh-CN" sz="1000" dirty="0">
+                <a:latin typeface="黑体" panose="02010609060101010101" pitchFamily="49" charset="-122"/>
+                <a:ea typeface="黑体" panose="02010609060101010101" pitchFamily="49" charset="-122"/>
+              </a:rPr>
+              <a:t>,  0.0 </a:t>
+            </a:r>
+            <a:r>
+              <a:rPr lang="en-US" altLang="zh-CN" sz="1000" dirty="0" err="1">
+                <a:latin typeface="黑体" panose="02010609060101010101" pitchFamily="49" charset="-122"/>
+                <a:ea typeface="黑体" panose="02010609060101010101" pitchFamily="49" charset="-122"/>
+              </a:rPr>
+              <a:t>ni</a:t>
+            </a:r>
+            <a:r>
+              <a:rPr lang="en-US" altLang="zh-CN" sz="1000" dirty="0">
+                <a:latin typeface="黑体" panose="02010609060101010101" pitchFamily="49" charset="-122"/>
+                <a:ea typeface="黑体" panose="02010609060101010101" pitchFamily="49" charset="-122"/>
+              </a:rPr>
+              <a:t>, 65.2 id,  0.0 </a:t>
+            </a:r>
+            <a:r>
+              <a:rPr lang="en-US" altLang="zh-CN" sz="1000" dirty="0" err="1">
+                <a:latin typeface="黑体" panose="02010609060101010101" pitchFamily="49" charset="-122"/>
+                <a:ea typeface="黑体" panose="02010609060101010101" pitchFamily="49" charset="-122"/>
+              </a:rPr>
+              <a:t>wa</a:t>
+            </a:r>
+            <a:r>
+              <a:rPr lang="en-US" altLang="zh-CN" sz="1000" dirty="0">
+                <a:latin typeface="黑体" panose="02010609060101010101" pitchFamily="49" charset="-122"/>
+                <a:ea typeface="黑体" panose="02010609060101010101" pitchFamily="49" charset="-122"/>
+              </a:rPr>
+              <a:t>,  0.0 hi, </a:t>
+            </a:r>
+            <a:r>
+              <a:rPr lang="en-US" altLang="zh-CN" sz="1000" dirty="0">
+                <a:solidFill>
+                  <a:schemeClr val="accent2"/>
+                </a:solidFill>
+                <a:latin typeface="黑体" panose="02010609060101010101" pitchFamily="49" charset="-122"/>
+                <a:ea typeface="黑体" panose="02010609060101010101" pitchFamily="49" charset="-122"/>
+              </a:rPr>
+              <a:t>34.5</a:t>
+            </a:r>
+            <a:r>
+              <a:rPr lang="en-US" altLang="zh-CN" sz="1000" dirty="0">
+                <a:latin typeface="黑体" panose="02010609060101010101" pitchFamily="49" charset="-122"/>
+                <a:ea typeface="黑体" panose="02010609060101010101" pitchFamily="49" charset="-122"/>
+              </a:rPr>
+              <a:t> </a:t>
+            </a:r>
+            <a:r>
+              <a:rPr lang="en-US" altLang="zh-CN" sz="1000" dirty="0" err="1">
+                <a:latin typeface="黑体" panose="02010609060101010101" pitchFamily="49" charset="-122"/>
+                <a:ea typeface="黑体" panose="02010609060101010101" pitchFamily="49" charset="-122"/>
+              </a:rPr>
+              <a:t>si</a:t>
+            </a:r>
+            <a:r>
+              <a:rPr lang="en-US" altLang="zh-CN" sz="1000" dirty="0">
+                <a:latin typeface="黑体" panose="02010609060101010101" pitchFamily="49" charset="-122"/>
+                <a:ea typeface="黑体" panose="02010609060101010101" pitchFamily="49" charset="-122"/>
+              </a:rPr>
+              <a:t>,  0.0 </a:t>
+            </a:r>
+            <a:r>
+              <a:rPr lang="en-US" altLang="zh-CN" sz="1000" dirty="0" err="1">
+                <a:latin typeface="黑体" panose="02010609060101010101" pitchFamily="49" charset="-122"/>
+                <a:ea typeface="黑体" panose="02010609060101010101" pitchFamily="49" charset="-122"/>
+              </a:rPr>
+              <a:t>st</a:t>
+            </a:r>
+            <a:endParaRPr lang="en-US" altLang="zh-CN" sz="1000" dirty="0">
+              <a:latin typeface="黑体" panose="02010609060101010101" pitchFamily="49" charset="-122"/>
+              <a:ea typeface="黑体" panose="02010609060101010101" pitchFamily="49" charset="-122"/>
+            </a:endParaRPr>
+          </a:p>
+          <a:p>
+            <a:r>
+              <a:rPr lang="en-US" altLang="zh-CN" sz="1000" dirty="0">
+                <a:latin typeface="黑体" panose="02010609060101010101" pitchFamily="49" charset="-122"/>
+                <a:ea typeface="黑体" panose="02010609060101010101" pitchFamily="49" charset="-122"/>
+              </a:rPr>
+              <a:t>KiB Mem :  8167040 total,  7234236 free,   358976 used,   573828 buff/cache</a:t>
+            </a:r>
+          </a:p>
+          <a:p>
+            <a:r>
+              <a:rPr lang="en-US" altLang="zh-CN" sz="1000" dirty="0">
+                <a:latin typeface="黑体" panose="02010609060101010101" pitchFamily="49" charset="-122"/>
+                <a:ea typeface="黑体" panose="02010609060101010101" pitchFamily="49" charset="-122"/>
+              </a:rPr>
+              <a:t>KiB Swap:        0 total,        0 free,        0 used.  7560460 avail Mem</a:t>
+            </a:r>
+          </a:p>
+          <a:p>
+            <a:endParaRPr lang="en-US" altLang="zh-CN" sz="1000" dirty="0">
+              <a:latin typeface="黑体" panose="02010609060101010101" pitchFamily="49" charset="-122"/>
+              <a:ea typeface="黑体" panose="02010609060101010101" pitchFamily="49" charset="-122"/>
+            </a:endParaRPr>
+          </a:p>
+          <a:p>
+            <a:r>
+              <a:rPr lang="en-US" altLang="zh-CN" sz="1000" dirty="0">
+                <a:latin typeface="黑体" panose="02010609060101010101" pitchFamily="49" charset="-122"/>
+                <a:ea typeface="黑体" panose="02010609060101010101" pitchFamily="49" charset="-122"/>
+              </a:rPr>
+              <a:t>  PID USER      PR  NI    VIRT    RES    SHR S  %CPU %MEM     TIME+ COMMAND</a:t>
+            </a:r>
+          </a:p>
+          <a:p>
+            <a:r>
+              <a:rPr lang="en-US" altLang="zh-CN" sz="1000" dirty="0">
+                <a:latin typeface="黑体" panose="02010609060101010101" pitchFamily="49" charset="-122"/>
+                <a:ea typeface="黑体" panose="02010609060101010101" pitchFamily="49" charset="-122"/>
+              </a:rPr>
+              <a:t>    9 root      20   0       0      0      0 S   </a:t>
+            </a:r>
+            <a:r>
+              <a:rPr lang="en-US" altLang="zh-CN" sz="1000" dirty="0">
+                <a:solidFill>
+                  <a:schemeClr val="accent2"/>
+                </a:solidFill>
+                <a:latin typeface="黑体" panose="02010609060101010101" pitchFamily="49" charset="-122"/>
+                <a:ea typeface="黑体" panose="02010609060101010101" pitchFamily="49" charset="-122"/>
+              </a:rPr>
+              <a:t>7.0</a:t>
+            </a:r>
+            <a:r>
+              <a:rPr lang="en-US" altLang="zh-CN" sz="1000" dirty="0">
+                <a:latin typeface="黑体" panose="02010609060101010101" pitchFamily="49" charset="-122"/>
+                <a:ea typeface="黑体" panose="02010609060101010101" pitchFamily="49" charset="-122"/>
+              </a:rPr>
+              <a:t>  0.0   0:00.48 </a:t>
+            </a:r>
+            <a:r>
+              <a:rPr lang="en-US" altLang="zh-CN" sz="1000" dirty="0" err="1">
+                <a:solidFill>
+                  <a:schemeClr val="accent2"/>
+                </a:solidFill>
+                <a:latin typeface="黑体" panose="02010609060101010101" pitchFamily="49" charset="-122"/>
+                <a:ea typeface="黑体" panose="02010609060101010101" pitchFamily="49" charset="-122"/>
+              </a:rPr>
+              <a:t>ksoftirqd</a:t>
+            </a:r>
+            <a:r>
+              <a:rPr lang="en-US" altLang="zh-CN" sz="1000" dirty="0">
+                <a:solidFill>
+                  <a:schemeClr val="accent2"/>
+                </a:solidFill>
+                <a:latin typeface="黑体" panose="02010609060101010101" pitchFamily="49" charset="-122"/>
+                <a:ea typeface="黑体" panose="02010609060101010101" pitchFamily="49" charset="-122"/>
+              </a:rPr>
+              <a:t>/0</a:t>
+            </a:r>
+          </a:p>
+          <a:p>
+            <a:r>
+              <a:rPr lang="en-US" altLang="zh-CN" sz="1000" dirty="0">
+                <a:latin typeface="黑体" panose="02010609060101010101" pitchFamily="49" charset="-122"/>
+                <a:ea typeface="黑体" panose="02010609060101010101" pitchFamily="49" charset="-122"/>
+              </a:rPr>
+              <a:t>   18 root      20   0       0      0      0 S   </a:t>
+            </a:r>
+            <a:r>
+              <a:rPr lang="en-US" altLang="zh-CN" sz="1000" dirty="0">
+                <a:solidFill>
+                  <a:schemeClr val="accent2"/>
+                </a:solidFill>
+                <a:latin typeface="黑体" panose="02010609060101010101" pitchFamily="49" charset="-122"/>
+                <a:ea typeface="黑体" panose="02010609060101010101" pitchFamily="49" charset="-122"/>
+              </a:rPr>
+              <a:t>6.9</a:t>
+            </a:r>
+            <a:r>
+              <a:rPr lang="en-US" altLang="zh-CN" sz="1000" dirty="0">
+                <a:latin typeface="黑体" panose="02010609060101010101" pitchFamily="49" charset="-122"/>
+                <a:ea typeface="黑体" panose="02010609060101010101" pitchFamily="49" charset="-122"/>
+              </a:rPr>
+              <a:t>  0.0   0:00.56 </a:t>
+            </a:r>
+            <a:r>
+              <a:rPr lang="en-US" altLang="zh-CN" sz="1000" dirty="0" err="1" smtClean="0">
+                <a:solidFill>
+                  <a:schemeClr val="accent2"/>
+                </a:solidFill>
+                <a:latin typeface="黑体" panose="02010609060101010101" pitchFamily="49" charset="-122"/>
+                <a:ea typeface="黑体" panose="02010609060101010101" pitchFamily="49" charset="-122"/>
+              </a:rPr>
+              <a:t>ksoftirqd</a:t>
+            </a:r>
+            <a:r>
+              <a:rPr lang="en-US" altLang="zh-CN" sz="1000" dirty="0" smtClean="0">
+                <a:solidFill>
+                  <a:schemeClr val="accent2"/>
+                </a:solidFill>
+                <a:latin typeface="黑体" panose="02010609060101010101" pitchFamily="49" charset="-122"/>
+                <a:ea typeface="黑体" panose="02010609060101010101" pitchFamily="49" charset="-122"/>
+              </a:rPr>
+              <a:t>/1</a:t>
+            </a:r>
+            <a:endParaRPr lang="en-US" altLang="zh-CN" sz="1000" dirty="0">
+              <a:solidFill>
+                <a:schemeClr val="accent2"/>
+              </a:solidFill>
+              <a:latin typeface="黑体" panose="02010609060101010101" pitchFamily="49" charset="-122"/>
+              <a:ea typeface="黑体" panose="02010609060101010101" pitchFamily="49" charset="-122"/>
+            </a:endParaRPr>
+          </a:p>
+          <a:p>
+            <a:r>
+              <a:rPr lang="en-US" altLang="zh-CN" sz="1000" dirty="0">
+                <a:latin typeface="黑体" panose="02010609060101010101" pitchFamily="49" charset="-122"/>
+                <a:ea typeface="黑体" panose="02010609060101010101" pitchFamily="49" charset="-122"/>
+              </a:rPr>
+              <a:t> 2489 root      20   0  876896  38408  21520 S   0.3  0.5   0:01.50 </a:t>
+            </a:r>
+            <a:r>
+              <a:rPr lang="en-US" altLang="zh-CN" sz="1000" dirty="0" err="1">
+                <a:latin typeface="黑体" panose="02010609060101010101" pitchFamily="49" charset="-122"/>
+                <a:ea typeface="黑体" panose="02010609060101010101" pitchFamily="49" charset="-122"/>
+              </a:rPr>
+              <a:t>docker-containe</a:t>
+            </a:r>
+            <a:endParaRPr lang="en-US" altLang="zh-CN" sz="1000" dirty="0">
+              <a:latin typeface="黑体" panose="02010609060101010101" pitchFamily="49" charset="-122"/>
+              <a:ea typeface="黑体" panose="02010609060101010101" pitchFamily="49" charset="-122"/>
+            </a:endParaRPr>
+          </a:p>
+          <a:p>
+            <a:r>
+              <a:rPr lang="en-US" altLang="zh-CN" sz="1000" dirty="0">
+                <a:latin typeface="黑体" panose="02010609060101010101" pitchFamily="49" charset="-122"/>
+                <a:ea typeface="黑体" panose="02010609060101010101" pitchFamily="49" charset="-122"/>
+              </a:rPr>
+              <a:t> 3008 root      20   0   44536   3936   3304 R   0.3  0.0   0:00.09 top</a:t>
+            </a:r>
+          </a:p>
+          <a:p>
+            <a:r>
+              <a:rPr lang="en-US" altLang="zh-CN" sz="1000" dirty="0">
+                <a:latin typeface="黑体" panose="02010609060101010101" pitchFamily="49" charset="-122"/>
+                <a:ea typeface="黑体" panose="02010609060101010101" pitchFamily="49" charset="-122"/>
+              </a:rPr>
+              <a:t>    1 root      20   0   78116   9000   6432 S   0.0  0.1   0:11.77 </a:t>
+            </a:r>
+            <a:r>
+              <a:rPr lang="en-US" altLang="zh-CN" sz="1000" dirty="0" err="1">
+                <a:latin typeface="黑体" panose="02010609060101010101" pitchFamily="49" charset="-122"/>
+                <a:ea typeface="黑体" panose="02010609060101010101" pitchFamily="49" charset="-122"/>
+              </a:rPr>
+              <a:t>systemd</a:t>
+            </a:r>
+            <a:endParaRPr lang="en-US" altLang="zh-CN" sz="1000" dirty="0">
+              <a:latin typeface="黑体" panose="02010609060101010101" pitchFamily="49" charset="-122"/>
+              <a:ea typeface="黑体" panose="02010609060101010101" pitchFamily="49" charset="-122"/>
+            </a:endParaRPr>
+          </a:p>
+          <a:p>
+            <a:r>
+              <a:rPr lang="en-US" altLang="zh-CN" sz="1000" dirty="0">
+                <a:latin typeface="黑体" panose="02010609060101010101" pitchFamily="49" charset="-122"/>
+                <a:ea typeface="黑体" panose="02010609060101010101" pitchFamily="49" charset="-122"/>
+              </a:rPr>
+              <a:t> ...</a:t>
+            </a:r>
+            <a:endParaRPr lang="zh-CN" altLang="en-US" sz="1000" dirty="0">
+              <a:latin typeface="黑体" panose="02010609060101010101" pitchFamily="49" charset="-122"/>
+              <a:ea typeface="黑体" panose="02010609060101010101" pitchFamily="49" charset="-122"/>
+            </a:endParaRPr>
+          </a:p>
+        </p:txBody>
+      </p:sp>
+      <p:sp>
+        <p:nvSpPr>
+          <p:cNvPr id="8" name="矩形标注 7"/>
+          <p:cNvSpPr/>
+          <p:nvPr/>
+        </p:nvSpPr>
+        <p:spPr>
+          <a:xfrm>
+            <a:off x="5336149" y="1365244"/>
+            <a:ext cx="1840052" cy="661777"/>
+          </a:xfrm>
+          <a:prstGeom prst="wedgeRectCallout">
+            <a:avLst>
+              <a:gd name="adj1" fmla="val -59886"/>
+              <a:gd name="adj2" fmla="val 152909"/>
+            </a:avLst>
+          </a:prstGeom>
+          <a:solidFill>
+            <a:schemeClr val="accent5">
+              <a:alpha val="50000"/>
+            </a:schemeClr>
+          </a:solidFill>
+          <a:ln>
+            <a:noFill/>
+          </a:ln>
+        </p:spPr>
+        <p:style>
+          <a:lnRef idx="0">
+            <a:scrgbClr r="0" g="0" b="0"/>
+          </a:lnRef>
+          <a:fillRef idx="0">
+            <a:scrgbClr r="0" g="0" b="0"/>
+          </a:fillRef>
+          <a:effectRef idx="0">
+            <a:scrgbClr r="0" g="0" b="0"/>
+          </a:effectRef>
+          <a:fontRef idx="minor">
+            <a:schemeClr val="lt1"/>
+          </a:fontRef>
+        </p:style>
+        <p:txBody>
+          <a:bodyPr rtlCol="0" anchor="ctr"/>
+          <a:lstStyle/>
+          <a:p>
+            <a:r>
+              <a:rPr lang="zh-CN" altLang="en-US" sz="1000" dirty="0" smtClean="0">
+                <a:latin typeface="微软雅黑" panose="020B0503020204020204" pitchFamily="34" charset="-122"/>
+                <a:ea typeface="微软雅黑" panose="020B0503020204020204" pitchFamily="34" charset="-122"/>
+              </a:rPr>
+              <a:t>处理软中断的线程占用</a:t>
+            </a:r>
+            <a:r>
+              <a:rPr lang="en-US" altLang="zh-CN" sz="1000" dirty="0" smtClean="0">
+                <a:latin typeface="微软雅黑" panose="020B0503020204020204" pitchFamily="34" charset="-122"/>
+                <a:ea typeface="微软雅黑" panose="020B0503020204020204" pitchFamily="34" charset="-122"/>
+              </a:rPr>
+              <a:t>CPU</a:t>
+            </a:r>
+            <a:r>
+              <a:rPr lang="zh-CN" altLang="en-US" sz="1000" dirty="0" smtClean="0">
+                <a:latin typeface="微软雅黑" panose="020B0503020204020204" pitchFamily="34" charset="-122"/>
+                <a:ea typeface="微软雅黑" panose="020B0503020204020204" pitchFamily="34" charset="-122"/>
+              </a:rPr>
+              <a:t>最高，且</a:t>
+            </a:r>
+            <a:r>
+              <a:rPr lang="en-US" altLang="zh-CN" sz="1000" dirty="0" smtClean="0">
+                <a:latin typeface="微软雅黑" panose="020B0503020204020204" pitchFamily="34" charset="-122"/>
+                <a:ea typeface="微软雅黑" panose="020B0503020204020204" pitchFamily="34" charset="-122"/>
+              </a:rPr>
+              <a:t>CPU</a:t>
+            </a:r>
+            <a:r>
+              <a:rPr lang="zh-CN" altLang="en-US" sz="1000" dirty="0" smtClean="0">
+                <a:latin typeface="微软雅黑" panose="020B0503020204020204" pitchFamily="34" charset="-122"/>
+                <a:ea typeface="微软雅黑" panose="020B0503020204020204" pitchFamily="34" charset="-122"/>
+              </a:rPr>
+              <a:t>的软中断处理达到</a:t>
+            </a:r>
+            <a:r>
+              <a:rPr lang="en-US" altLang="zh-CN" sz="1000" dirty="0" smtClean="0">
+                <a:latin typeface="微软雅黑" panose="020B0503020204020204" pitchFamily="34" charset="-122"/>
+                <a:ea typeface="微软雅黑" panose="020B0503020204020204" pitchFamily="34" charset="-122"/>
+              </a:rPr>
+              <a:t>30%</a:t>
+            </a:r>
+            <a:r>
+              <a:rPr lang="zh-CN" altLang="en-US" sz="1000" dirty="0" smtClean="0">
+                <a:latin typeface="微软雅黑" panose="020B0503020204020204" pitchFamily="34" charset="-122"/>
+                <a:ea typeface="微软雅黑" panose="020B0503020204020204" pitchFamily="34" charset="-122"/>
+              </a:rPr>
+              <a:t>，可以猜测是大量网络收发引起。</a:t>
+            </a:r>
+            <a:endParaRPr lang="zh-CN" altLang="en-US" sz="1000" dirty="0">
+              <a:latin typeface="微软雅黑" panose="020B0503020204020204" pitchFamily="34" charset="-122"/>
+              <a:ea typeface="微软雅黑" panose="020B0503020204020204" pitchFamily="34" charset="-122"/>
+            </a:endParaRPr>
+          </a:p>
+        </p:txBody>
+      </p:sp>
+      <p:sp>
+        <p:nvSpPr>
+          <p:cNvPr id="9" name="矩形 8"/>
+          <p:cNvSpPr/>
+          <p:nvPr/>
+        </p:nvSpPr>
+        <p:spPr>
+          <a:xfrm>
+            <a:off x="114300" y="3699286"/>
+            <a:ext cx="12039963" cy="276999"/>
+          </a:xfrm>
+          <a:prstGeom prst="rect">
+            <a:avLst/>
+          </a:prstGeom>
+        </p:spPr>
+        <p:txBody>
+          <a:bodyPr wrap="square">
+            <a:spAutoFit/>
+          </a:bodyPr>
+          <a:lstStyle/>
+          <a:p>
+            <a:r>
+              <a:rPr lang="en-US" altLang="zh-CN" sz="1200" dirty="0">
+                <a:solidFill>
+                  <a:srgbClr val="92D050"/>
+                </a:solidFill>
+                <a:latin typeface="微软雅黑" panose="020B0503020204020204" pitchFamily="34" charset="-122"/>
+                <a:ea typeface="微软雅黑" panose="020B0503020204020204" pitchFamily="34" charset="-122"/>
+              </a:rPr>
+              <a:t> </a:t>
+            </a:r>
+            <a:r>
+              <a:rPr lang="en-US" altLang="zh-CN" sz="1200" dirty="0" err="1">
+                <a:solidFill>
+                  <a:srgbClr val="92D050"/>
+                </a:solidFill>
+                <a:latin typeface="微软雅黑" panose="020B0503020204020204" pitchFamily="34" charset="-122"/>
+                <a:ea typeface="微软雅黑" panose="020B0503020204020204" pitchFamily="34" charset="-122"/>
+              </a:rPr>
+              <a:t>strace</a:t>
+            </a:r>
+            <a:r>
+              <a:rPr lang="zh-CN" altLang="en-US" sz="1200" dirty="0">
+                <a:solidFill>
+                  <a:srgbClr val="92D050"/>
+                </a:solidFill>
+                <a:latin typeface="微软雅黑" panose="020B0503020204020204" pitchFamily="34" charset="-122"/>
+                <a:ea typeface="微软雅黑" panose="020B0503020204020204" pitchFamily="34" charset="-122"/>
+              </a:rPr>
+              <a:t>、</a:t>
+            </a:r>
+            <a:r>
+              <a:rPr lang="en-US" altLang="zh-CN" sz="1200" dirty="0" err="1">
+                <a:solidFill>
+                  <a:srgbClr val="92D050"/>
+                </a:solidFill>
+                <a:latin typeface="微软雅黑" panose="020B0503020204020204" pitchFamily="34" charset="-122"/>
+                <a:ea typeface="微软雅黑" panose="020B0503020204020204" pitchFamily="34" charset="-122"/>
+              </a:rPr>
+              <a:t>pstack</a:t>
+            </a:r>
+            <a:r>
+              <a:rPr lang="zh-CN" altLang="en-US" sz="1200" dirty="0">
+                <a:solidFill>
+                  <a:srgbClr val="92D050"/>
+                </a:solidFill>
+                <a:latin typeface="微软雅黑" panose="020B0503020204020204" pitchFamily="34" charset="-122"/>
+                <a:ea typeface="微软雅黑" panose="020B0503020204020204" pitchFamily="34" charset="-122"/>
+              </a:rPr>
+              <a:t>、</a:t>
+            </a:r>
+            <a:r>
+              <a:rPr lang="en-US" altLang="zh-CN" sz="1200" dirty="0" err="1" smtClean="0">
+                <a:solidFill>
+                  <a:srgbClr val="92D050"/>
+                </a:solidFill>
+                <a:latin typeface="微软雅黑" panose="020B0503020204020204" pitchFamily="34" charset="-122"/>
+                <a:ea typeface="微软雅黑" panose="020B0503020204020204" pitchFamily="34" charset="-122"/>
+              </a:rPr>
+              <a:t>lsof</a:t>
+            </a:r>
+            <a:r>
+              <a:rPr lang="zh-CN" altLang="en-US" sz="1200" dirty="0" smtClean="0">
+                <a:solidFill>
+                  <a:srgbClr val="92D050"/>
+                </a:solidFill>
+                <a:latin typeface="微软雅黑" panose="020B0503020204020204" pitchFamily="34" charset="-122"/>
+                <a:ea typeface="微软雅黑" panose="020B0503020204020204" pitchFamily="34" charset="-122"/>
+              </a:rPr>
+              <a:t>等工具不适用于内核线程</a:t>
+            </a:r>
+            <a:endParaRPr lang="en-US" altLang="zh-CN" sz="1200" dirty="0">
+              <a:solidFill>
+                <a:srgbClr val="92D050"/>
+              </a:solidFill>
+              <a:latin typeface="微软雅黑" panose="020B0503020204020204" pitchFamily="34" charset="-122"/>
+              <a:ea typeface="微软雅黑" panose="020B0503020204020204" pitchFamily="34" charset="-122"/>
+            </a:endParaRPr>
+          </a:p>
+        </p:txBody>
+      </p:sp>
+      <p:sp>
+        <p:nvSpPr>
+          <p:cNvPr id="10" name="矩形 9"/>
+          <p:cNvSpPr/>
+          <p:nvPr/>
+        </p:nvSpPr>
+        <p:spPr>
+          <a:xfrm>
+            <a:off x="114300" y="3976285"/>
+            <a:ext cx="9540240" cy="553998"/>
+          </a:xfrm>
+          <a:prstGeom prst="rect">
+            <a:avLst/>
+          </a:prstGeom>
+        </p:spPr>
+        <p:txBody>
+          <a:bodyPr wrap="square">
+            <a:spAutoFit/>
+          </a:bodyPr>
+          <a:lstStyle/>
+          <a:p>
+            <a:r>
+              <a:rPr lang="en-US" altLang="zh-CN" sz="1000" dirty="0">
+                <a:latin typeface="黑体" panose="02010609060101010101" pitchFamily="49" charset="-122"/>
+                <a:ea typeface="黑体" panose="02010609060101010101" pitchFamily="49" charset="-122"/>
+              </a:rPr>
+              <a:t># </a:t>
+            </a:r>
+            <a:r>
+              <a:rPr lang="zh-CN" altLang="en-US" sz="1000" dirty="0">
+                <a:latin typeface="黑体" panose="02010609060101010101" pitchFamily="49" charset="-122"/>
+                <a:ea typeface="黑体" panose="02010609060101010101" pitchFamily="49" charset="-122"/>
+              </a:rPr>
+              <a:t>采样</a:t>
+            </a:r>
+            <a:r>
+              <a:rPr lang="en-US" altLang="zh-CN" sz="1000" dirty="0">
+                <a:latin typeface="黑体" panose="02010609060101010101" pitchFamily="49" charset="-122"/>
+                <a:ea typeface="黑体" panose="02010609060101010101" pitchFamily="49" charset="-122"/>
+              </a:rPr>
+              <a:t>30s</a:t>
+            </a:r>
+            <a:r>
+              <a:rPr lang="zh-CN" altLang="en-US" sz="1000" dirty="0">
+                <a:latin typeface="黑体" panose="02010609060101010101" pitchFamily="49" charset="-122"/>
+                <a:ea typeface="黑体" panose="02010609060101010101" pitchFamily="49" charset="-122"/>
+              </a:rPr>
+              <a:t>后退出</a:t>
+            </a:r>
+          </a:p>
+          <a:p>
+            <a:r>
+              <a:rPr lang="en-US" altLang="zh-CN" sz="1000" dirty="0">
+                <a:latin typeface="黑体" panose="02010609060101010101" pitchFamily="49" charset="-122"/>
+                <a:ea typeface="黑体" panose="02010609060101010101" pitchFamily="49" charset="-122"/>
+              </a:rPr>
+              <a:t>$ perf record -a -g -p 9 -- sleep </a:t>
+            </a:r>
+            <a:r>
+              <a:rPr lang="en-US" altLang="zh-CN" sz="1000" dirty="0" smtClean="0">
+                <a:latin typeface="黑体" panose="02010609060101010101" pitchFamily="49" charset="-122"/>
+                <a:ea typeface="黑体" panose="02010609060101010101" pitchFamily="49" charset="-122"/>
+              </a:rPr>
+              <a:t>30</a:t>
+            </a:r>
+          </a:p>
+          <a:p>
+            <a:r>
+              <a:rPr lang="en-US" altLang="zh-CN" sz="1000" dirty="0" smtClean="0">
+                <a:latin typeface="黑体" panose="02010609060101010101" pitchFamily="49" charset="-122"/>
+                <a:ea typeface="黑体" panose="02010609060101010101" pitchFamily="49" charset="-122"/>
+              </a:rPr>
+              <a:t>$ perf report</a:t>
+            </a:r>
+            <a:endParaRPr lang="zh-CN" altLang="en-US" sz="1000" dirty="0">
+              <a:latin typeface="黑体" panose="02010609060101010101" pitchFamily="49" charset="-122"/>
+              <a:ea typeface="黑体" panose="02010609060101010101" pitchFamily="49" charset="-122"/>
+            </a:endParaRPr>
+          </a:p>
+        </p:txBody>
+      </p:sp>
+      <p:pic>
+        <p:nvPicPr>
+          <p:cNvPr id="3" name="图片 2"/>
+          <p:cNvPicPr>
+            <a:picLocks noChangeAspect="1"/>
+          </p:cNvPicPr>
+          <p:nvPr/>
+        </p:nvPicPr>
+        <p:blipFill>
+          <a:blip r:embed="rId2" cstate="print">
+            <a:extLst>
+              <a:ext uri="{28A0092B-C50C-407E-A947-70E740481C1C}">
+                <a14:useLocalDpi xmlns:a14="http://schemas.microsoft.com/office/drawing/2010/main" val="0"/>
+              </a:ext>
+            </a:extLst>
+          </a:blip>
+          <a:stretch>
+            <a:fillRect/>
+          </a:stretch>
+        </p:blipFill>
+        <p:spPr>
+          <a:xfrm>
+            <a:off x="6434983" y="2127001"/>
+            <a:ext cx="4805529" cy="4393810"/>
+          </a:xfrm>
+          <a:prstGeom prst="rect">
+            <a:avLst/>
+          </a:prstGeom>
+        </p:spPr>
+      </p:pic>
+    </p:spTree>
+    <p:extLst>
+      <p:ext uri="{BB962C8B-B14F-4D97-AF65-F5344CB8AC3E}">
+        <p14:creationId xmlns:p14="http://schemas.microsoft.com/office/powerpoint/2010/main" val="1012258209"/>
       </p:ext>
     </p:extLst>
   </p:cSld>
